--- a/assets/lectures/cbw-cshl/2019/mini/RNASeq_MiniLecture_09_03_DifferentialExpression.pptx
+++ b/assets/lectures/cbw-cshl/2019/mini/RNASeq_MiniLecture_09_03_DifferentialExpression.pptx
@@ -5,23 +5,21 @@
     <p:sldMasterId id="2147483660" r:id="rId1"/>
   </p:sldMasterIdLst>
   <p:notesMasterIdLst>
-    <p:notesMasterId r:id="rId16"/>
+    <p:notesMasterId r:id="rId14"/>
   </p:notesMasterIdLst>
   <p:sldIdLst>
-    <p:sldId id="257" r:id="rId2"/>
-    <p:sldId id="258" r:id="rId3"/>
-    <p:sldId id="259" r:id="rId4"/>
-    <p:sldId id="524" r:id="rId5"/>
-    <p:sldId id="525" r:id="rId6"/>
-    <p:sldId id="526" r:id="rId7"/>
-    <p:sldId id="527" r:id="rId8"/>
-    <p:sldId id="528" r:id="rId9"/>
-    <p:sldId id="529" r:id="rId10"/>
-    <p:sldId id="530" r:id="rId11"/>
-    <p:sldId id="531" r:id="rId12"/>
-    <p:sldId id="532" r:id="rId13"/>
-    <p:sldId id="533" r:id="rId14"/>
-    <p:sldId id="535" r:id="rId15"/>
+    <p:sldId id="259" r:id="rId2"/>
+    <p:sldId id="524" r:id="rId3"/>
+    <p:sldId id="525" r:id="rId4"/>
+    <p:sldId id="526" r:id="rId5"/>
+    <p:sldId id="527" r:id="rId6"/>
+    <p:sldId id="528" r:id="rId7"/>
+    <p:sldId id="529" r:id="rId8"/>
+    <p:sldId id="530" r:id="rId9"/>
+    <p:sldId id="531" r:id="rId10"/>
+    <p:sldId id="532" r:id="rId11"/>
+    <p:sldId id="533" r:id="rId12"/>
+    <p:sldId id="535" r:id="rId13"/>
   </p:sldIdLst>
   <p:sldSz cx="12192000" cy="6858000"/>
   <p:notesSz cx="6858000" cy="9144000"/>
@@ -210,7 +208,7 @@
           <a:p>
             <a:fld id="{827BD9F9-8452-A342-BB1B-28ECF19E2CC5}" type="datetimeFigureOut">
               <a:rPr lang="en-US" smtClean="0"/>
-              <a:t>3/8/19</a:t>
+              <a:t>3/11/19</a:t>
             </a:fld>
             <a:endParaRPr lang="en-US"/>
           </a:p>
@@ -521,6 +519,14 @@
           <a:bodyPr/>
           <a:lstStyle/>
           <a:p>
+            <a:r>
+              <a:rPr lang="en-US" dirty="0"/>
+              <a:t>We recommend </a:t>
+            </a:r>
+            <a:r>
+              <a:rPr lang="en-US" dirty="0" err="1"/>
+              <a:t>intersection_strict</a:t>
+            </a:r>
             <a:endParaRPr lang="en-US" dirty="0"/>
           </a:p>
         </p:txBody>
@@ -532,7 +538,7 @@
             <a:spLocks noGrp="1"/>
           </p:cNvSpPr>
           <p:nvPr>
-            <p:ph type="sldNum" sz="quarter" idx="5"/>
+            <p:ph type="sldNum" sz="quarter" idx="10"/>
           </p:nvPr>
         </p:nvSpPr>
         <p:spPr/>
@@ -540,9 +546,15 @@
           <a:bodyPr/>
           <a:lstStyle/>
           <a:p>
-            <a:fld id="{91C65747-E6F5-D94A-981D-658B04DED679}" type="slidenum">
+            <a:pPr>
+              <a:defRPr/>
+            </a:pPr>
+            <a:fld id="{F3969550-FBCF-404B-9FAA-7B1DCDF2C4FF}" type="slidenum">
               <a:rPr lang="en-US" smtClean="0"/>
-              <a:t>1</a:t>
+              <a:pPr>
+                <a:defRPr/>
+              </a:pPr>
+              <a:t>5</a:t>
             </a:fld>
             <a:endParaRPr lang="en-US"/>
           </a:p>
@@ -551,7 +563,7 @@
     </p:spTree>
     <p:extLst>
       <p:ext uri="{BB962C8B-B14F-4D97-AF65-F5344CB8AC3E}">
-        <p14:creationId xmlns:p14="http://schemas.microsoft.com/office/powerpoint/2010/main" val="1172174766"/>
+        <p14:creationId xmlns:p14="http://schemas.microsoft.com/office/powerpoint/2010/main" val="1925566056"/>
       </p:ext>
     </p:extLst>
   </p:cSld>
@@ -605,14 +617,6 @@
           <a:bodyPr/>
           <a:lstStyle/>
           <a:p>
-            <a:r>
-              <a:rPr lang="en-US" dirty="0"/>
-              <a:t>We recommend </a:t>
-            </a:r>
-            <a:r>
-              <a:rPr lang="en-US" dirty="0" err="1"/>
-              <a:t>intersection_strict</a:t>
-            </a:r>
             <a:endParaRPr lang="en-US" dirty="0"/>
           </a:p>
         </p:txBody>
@@ -624,7 +628,7 @@
             <a:spLocks noGrp="1"/>
           </p:cNvSpPr>
           <p:nvPr>
-            <p:ph type="sldNum" sz="quarter" idx="10"/>
+            <p:ph type="sldNum" sz="quarter" idx="5"/>
           </p:nvPr>
         </p:nvSpPr>
         <p:spPr/>
@@ -632,15 +636,9 @@
           <a:bodyPr/>
           <a:lstStyle/>
           <a:p>
-            <a:pPr>
-              <a:defRPr/>
-            </a:pPr>
-            <a:fld id="{F3969550-FBCF-404B-9FAA-7B1DCDF2C4FF}" type="slidenum">
+            <a:fld id="{91C65747-E6F5-D94A-981D-658B04DED679}" type="slidenum">
               <a:rPr lang="en-US" smtClean="0"/>
-              <a:pPr>
-                <a:defRPr/>
-              </a:pPr>
-              <a:t>7</a:t>
+              <a:t>10</a:t>
             </a:fld>
             <a:endParaRPr lang="en-US"/>
           </a:p>
@@ -649,7 +647,7 @@
     </p:spTree>
     <p:extLst>
       <p:ext uri="{BB962C8B-B14F-4D97-AF65-F5344CB8AC3E}">
-        <p14:creationId xmlns:p14="http://schemas.microsoft.com/office/powerpoint/2010/main" val="1925566056"/>
+        <p14:creationId xmlns:p14="http://schemas.microsoft.com/office/powerpoint/2010/main" val="2264423928"/>
       </p:ext>
     </p:extLst>
   </p:cSld>
@@ -725,90 +723,6 @@
             <a:fld id="{91C65747-E6F5-D94A-981D-658B04DED679}" type="slidenum">
               <a:rPr lang="en-US" smtClean="0"/>
               <a:t>12</a:t>
-            </a:fld>
-            <a:endParaRPr lang="en-US"/>
-          </a:p>
-        </p:txBody>
-      </p:sp>
-    </p:spTree>
-    <p:extLst>
-      <p:ext uri="{BB962C8B-B14F-4D97-AF65-F5344CB8AC3E}">
-        <p14:creationId xmlns:p14="http://schemas.microsoft.com/office/powerpoint/2010/main" val="2264423928"/>
-      </p:ext>
-    </p:extLst>
-  </p:cSld>
-  <p:clrMapOvr>
-    <a:masterClrMapping/>
-  </p:clrMapOvr>
-</p:notes>
-</file>
-
-<file path=ppt/notesSlides/notesSlide4.xml><?xml version="1.0" encoding="utf-8"?>
-<p:notes xmlns:a="http://schemas.openxmlformats.org/drawingml/2006/main" xmlns:r="http://schemas.openxmlformats.org/officeDocument/2006/relationships" xmlns:p="http://schemas.openxmlformats.org/presentationml/2006/main">
-  <p:cSld>
-    <p:spTree>
-      <p:nvGrpSpPr>
-        <p:cNvPr id="1" name=""/>
-        <p:cNvGrpSpPr/>
-        <p:nvPr/>
-      </p:nvGrpSpPr>
-      <p:grpSpPr>
-        <a:xfrm>
-          <a:off x="0" y="0"/>
-          <a:ext cx="0" cy="0"/>
-          <a:chOff x="0" y="0"/>
-          <a:chExt cx="0" cy="0"/>
-        </a:xfrm>
-      </p:grpSpPr>
-      <p:sp>
-        <p:nvSpPr>
-          <p:cNvPr id="2" name="Slide Image Placeholder 1"/>
-          <p:cNvSpPr>
-            <a:spLocks noGrp="1" noRot="1" noChangeAspect="1"/>
-          </p:cNvSpPr>
-          <p:nvPr>
-            <p:ph type="sldImg"/>
-          </p:nvPr>
-        </p:nvSpPr>
-        <p:spPr/>
-      </p:sp>
-      <p:sp>
-        <p:nvSpPr>
-          <p:cNvPr id="3" name="Notes Placeholder 2"/>
-          <p:cNvSpPr>
-            <a:spLocks noGrp="1"/>
-          </p:cNvSpPr>
-          <p:nvPr>
-            <p:ph type="body" idx="1"/>
-          </p:nvPr>
-        </p:nvSpPr>
-        <p:spPr/>
-        <p:txBody>
-          <a:bodyPr/>
-          <a:lstStyle/>
-          <a:p>
-            <a:endParaRPr lang="en-US" dirty="0"/>
-          </a:p>
-        </p:txBody>
-      </p:sp>
-      <p:sp>
-        <p:nvSpPr>
-          <p:cNvPr id="4" name="Slide Number Placeholder 3"/>
-          <p:cNvSpPr>
-            <a:spLocks noGrp="1"/>
-          </p:cNvSpPr>
-          <p:nvPr>
-            <p:ph type="sldNum" sz="quarter" idx="5"/>
-          </p:nvPr>
-        </p:nvSpPr>
-        <p:spPr/>
-        <p:txBody>
-          <a:bodyPr/>
-          <a:lstStyle/>
-          <a:p>
-            <a:fld id="{91C65747-E6F5-D94A-981D-658B04DED679}" type="slidenum">
-              <a:rPr lang="en-US" smtClean="0"/>
-              <a:t>14</a:t>
             </a:fld>
             <a:endParaRPr lang="en-US"/>
           </a:p>
@@ -1081,14 +995,14 @@
           </a:ln>
           <a:extLst>
             <a:ext uri="{909E8E84-426E-40dd-AFC4-6F175D3DCCD1}">
-              <a14:hiddenFill xmlns="" xmlns:a14="http://schemas.microsoft.com/office/drawing/2010/main">
+              <a14:hiddenFill xmlns:a14="http://schemas.microsoft.com/office/drawing/2010/main" xmlns="">
                 <a:solidFill>
                   <a:srgbClr val="FFFFFF"/>
                 </a:solidFill>
               </a14:hiddenFill>
             </a:ext>
             <a:ext uri="{91240B29-F687-4f45-9708-019B960494DF}">
-              <a14:hiddenLine xmlns="" xmlns:a14="http://schemas.microsoft.com/office/drawing/2010/main" w="9525">
+              <a14:hiddenLine xmlns:a14="http://schemas.microsoft.com/office/drawing/2010/main" xmlns="" w="9525">
                 <a:solidFill>
                   <a:srgbClr val="000000"/>
                 </a:solidFill>
@@ -3844,14 +3758,14 @@
           </a:ln>
           <a:extLst>
             <a:ext uri="{909E8E84-426E-40dd-AFC4-6F175D3DCCD1}">
-              <a14:hiddenFill xmlns="" xmlns:a14="http://schemas.microsoft.com/office/drawing/2010/main">
+              <a14:hiddenFill xmlns:a14="http://schemas.microsoft.com/office/drawing/2010/main" xmlns="">
                 <a:solidFill>
                   <a:srgbClr val="FFFFFF"/>
                 </a:solidFill>
               </a14:hiddenFill>
             </a:ext>
             <a:ext uri="{91240B29-F687-4f45-9708-019B960494DF}">
-              <a14:hiddenLine xmlns="" xmlns:a14="http://schemas.microsoft.com/office/drawing/2010/main" w="9525">
+              <a14:hiddenLine xmlns:a14="http://schemas.microsoft.com/office/drawing/2010/main" xmlns="" w="9525">
                 <a:solidFill>
                   <a:srgbClr val="000000"/>
                 </a:solidFill>
@@ -3986,7 +3900,7 @@
                 <a:latin typeface="Calibri" charset="0"/>
                 <a:cs typeface="Calibri" charset="0"/>
               </a:rPr>
-              <a:t>Module </a:t>
+              <a:t>Module 9 </a:t>
             </a:r>
           </a:p>
         </p:txBody>
@@ -4133,19 +4047,7 @@
               <a:rPr lang="en-US" b="1" dirty="0" err="1">
                 <a:cs typeface="Arial" charset="0"/>
               </a:rPr>
-              <a:t>bio</a:t>
-            </a:r>
-            <a:r>
-              <a:rPr lang="en-US" dirty="0" err="1">
-                <a:cs typeface="Arial" charset="0"/>
-              </a:rPr>
-              <a:t>informatics</a:t>
-            </a:r>
-            <a:r>
-              <a:rPr lang="en-US" sz="1400" dirty="0" err="1">
-                <a:cs typeface="Arial" charset="0"/>
-              </a:rPr>
-              <a:t>.ca</a:t>
+              <a:t>rnabio.org</a:t>
             </a:r>
             <a:endParaRPr lang="en-US" dirty="0">
               <a:cs typeface="Arial" charset="0"/>
@@ -4477,57 +4379,177 @@
       </p:grpSpPr>
       <p:sp>
         <p:nvSpPr>
-          <p:cNvPr id="4" name="Rectangle 2">
+          <p:cNvPr id="2" name="Title 1">
             <a:extLst>
               <a:ext uri="{FF2B5EF4-FFF2-40B4-BE49-F238E27FC236}">
-                <a16:creationId xmlns:a16="http://schemas.microsoft.com/office/drawing/2014/main" id="{3951701B-699C-D042-8C4F-2B7A911EC7B7}"/>
+                <a16:creationId xmlns:a16="http://schemas.microsoft.com/office/drawing/2014/main" id="{47807894-EFFE-CD45-AEFD-BFB62D406E86}"/>
               </a:ext>
             </a:extLst>
           </p:cNvPr>
-          <p:cNvSpPr txBox="1">
-            <a:spLocks noChangeArrowheads="1"/>
+          <p:cNvSpPr>
+            <a:spLocks noGrp="1"/>
           </p:cNvSpPr>
+          <p:nvPr>
+            <p:ph type="ctrTitle"/>
+          </p:nvPr>
+        </p:nvSpPr>
+        <p:spPr>
+          <a:xfrm>
+            <a:off x="3048000" y="-1300203"/>
+            <a:ext cx="9144000" cy="2387600"/>
+          </a:xfrm>
+        </p:spPr>
+        <p:txBody>
+          <a:bodyPr>
+            <a:normAutofit/>
+          </a:bodyPr>
+          <a:lstStyle/>
+          <a:p>
+            <a:pPr algn="r"/>
+            <a:r>
+              <a:rPr lang="en-US" sz="3600" dirty="0">
+                <a:solidFill>
+                  <a:schemeClr val="bg1"/>
+                </a:solidFill>
+                <a:latin typeface="Calibri" charset="0"/>
+                <a:cs typeface="Segoe UI" charset="0"/>
+              </a:rPr>
+              <a:t>RNA-</a:t>
+            </a:r>
+            <a:r>
+              <a:rPr lang="en-US" sz="3600" dirty="0" err="1">
+                <a:solidFill>
+                  <a:schemeClr val="bg1"/>
+                </a:solidFill>
+                <a:latin typeface="Calibri" charset="0"/>
+                <a:cs typeface="Segoe UI" charset="0"/>
+              </a:rPr>
+              <a:t>Seq</a:t>
+            </a:r>
+            <a:r>
+              <a:rPr lang="en-US" sz="3600" dirty="0">
+                <a:solidFill>
+                  <a:schemeClr val="bg1"/>
+                </a:solidFill>
+                <a:latin typeface="Calibri" charset="0"/>
+                <a:cs typeface="Segoe UI" charset="0"/>
+              </a:rPr>
+              <a:t> Module 9</a:t>
+            </a:r>
+            <a:br>
+              <a:rPr lang="en-US" sz="3600" dirty="0">
+                <a:solidFill>
+                  <a:schemeClr val="bg1"/>
+                </a:solidFill>
+                <a:latin typeface="Calibri" charset="0"/>
+                <a:cs typeface="Segoe UI" charset="0"/>
+              </a:rPr>
+            </a:br>
+            <a:r>
+              <a:rPr lang="en-US" sz="3600" dirty="0">
+                <a:solidFill>
+                  <a:schemeClr val="bg1"/>
+                </a:solidFill>
+                <a:latin typeface="Calibri" charset="0"/>
+                <a:cs typeface="Segoe UI" charset="0"/>
+              </a:rPr>
+              <a:t>Differential Expression</a:t>
+            </a:r>
+            <a:endParaRPr lang="en-US" sz="3200" b="1" dirty="0">
+              <a:solidFill>
+                <a:schemeClr val="bg1"/>
+              </a:solidFill>
+              <a:latin typeface="Calibri" charset="0"/>
+              <a:cs typeface="Segoe UI" charset="0"/>
+            </a:endParaRPr>
+          </a:p>
+        </p:txBody>
+      </p:sp>
+      <p:sp>
+        <p:nvSpPr>
+          <p:cNvPr id="3" name="Subtitle 2">
+            <a:extLst>
+              <a:ext uri="{FF2B5EF4-FFF2-40B4-BE49-F238E27FC236}">
+                <a16:creationId xmlns:a16="http://schemas.microsoft.com/office/drawing/2014/main" id="{6E120BC9-7354-2449-9237-C9C284B728D9}"/>
+              </a:ext>
+            </a:extLst>
+          </p:cNvPr>
+          <p:cNvSpPr>
+            <a:spLocks noGrp="1"/>
+          </p:cNvSpPr>
+          <p:nvPr>
+            <p:ph type="subTitle" idx="1"/>
+          </p:nvPr>
+        </p:nvSpPr>
+        <p:spPr>
+          <a:xfrm>
+            <a:off x="3048000" y="1087397"/>
+            <a:ext cx="9144000" cy="1655762"/>
+          </a:xfrm>
+        </p:spPr>
+        <p:txBody>
+          <a:bodyPr/>
+          <a:lstStyle/>
+          <a:p>
+            <a:pPr algn="r"/>
+            <a:r>
+              <a:rPr lang="en-US" dirty="0">
+                <a:solidFill>
+                  <a:schemeClr val="bg1"/>
+                </a:solidFill>
+              </a:rPr>
+              <a:t>Kelsy Cotto, Malachi Griffith, Chris Miller, Peter </a:t>
+            </a:r>
+            <a:r>
+              <a:rPr lang="en-US" dirty="0" err="1">
+                <a:solidFill>
+                  <a:schemeClr val="bg1"/>
+                </a:solidFill>
+              </a:rPr>
+              <a:t>Ronning</a:t>
+            </a:r>
+            <a:endParaRPr lang="en-US" dirty="0">
+              <a:solidFill>
+                <a:schemeClr val="bg1"/>
+              </a:solidFill>
+            </a:endParaRPr>
+          </a:p>
+        </p:txBody>
+      </p:sp>
+      <p:sp>
+        <p:nvSpPr>
+          <p:cNvPr id="5" name="TextBox 4">
+            <a:extLst>
+              <a:ext uri="{FF2B5EF4-FFF2-40B4-BE49-F238E27FC236}">
+                <a16:creationId xmlns:a16="http://schemas.microsoft.com/office/drawing/2014/main" id="{11B4D090-3D05-0D43-847B-63C2AA7B1C1E}"/>
+              </a:ext>
+            </a:extLst>
+          </p:cNvPr>
+          <p:cNvSpPr txBox="1"/>
           <p:nvPr/>
         </p:nvSpPr>
         <p:spPr>
           <a:xfrm>
-            <a:off x="931221" y="2489451"/>
-            <a:ext cx="10294920" cy="1447800"/>
+            <a:off x="1781299" y="3503221"/>
+            <a:ext cx="2172135" cy="369332"/>
           </a:xfrm>
           <a:prstGeom prst="rect">
             <a:avLst/>
           </a:prstGeom>
+          <a:noFill/>
         </p:spPr>
         <p:txBody>
-          <a:bodyPr vert="horz" lIns="91440" tIns="45720" rIns="91440" bIns="45720" rtlCol="0" anchor="ctr">
-            <a:normAutofit/>
+          <a:bodyPr wrap="square" rtlCol="0">
+            <a:spAutoFit/>
           </a:bodyPr>
-          <a:lstStyle>
-            <a:lvl1pPr algn="l" defTabSz="914400" rtl="0" eaLnBrk="1" latinLnBrk="0" hangingPunct="1">
+          <a:lstStyle/>
+          <a:p>
+            <a:pPr marL="0" marR="0" lvl="0" indent="0" algn="l" defTabSz="914400" rtl="0" eaLnBrk="1" fontAlgn="auto" latinLnBrk="0" hangingPunct="1">
               <a:lnSpc>
-                <a:spcPct val="90000"/>
+                <a:spcPct val="100000"/>
               </a:lnSpc>
               <a:spcBef>
-                <a:spcPct val="0"/>
-              </a:spcBef>
-              <a:buNone/>
-              <a:defRPr sz="4400" kern="1200">
-                <a:solidFill>
-                  <a:schemeClr val="tx1"/>
-                </a:solidFill>
-                <a:latin typeface="+mj-lt"/>
-                <a:ea typeface="+mj-ea"/>
-                <a:cs typeface="+mj-cs"/>
-              </a:defRPr>
-            </a:lvl1pPr>
-          </a:lstStyle>
-          <a:p>
-            <a:pPr marL="0" marR="0" lvl="0" indent="0" algn="l" defTabSz="914400" rtl="0" eaLnBrk="1" fontAlgn="auto" latinLnBrk="0" hangingPunct="1">
-              <a:lnSpc>
-                <a:spcPct val="90000"/>
-              </a:lnSpc>
-              <a:spcBef>
-                <a:spcPct val="0"/>
+                <a:spcPts val="0"/>
               </a:spcBef>
               <a:spcAft>
                 <a:spcPts val="0"/>
@@ -4540,236 +4562,7 @@
               <a:defRPr/>
             </a:pPr>
             <a:r>
-              <a:rPr kumimoji="0" lang="en-US" sz="4400" b="0" i="0" u="none" strike="noStrike" kern="1200" cap="none" spc="0" normalizeH="0" baseline="0" noProof="0" dirty="0">
-                <a:ln>
-                  <a:noFill/>
-                </a:ln>
-                <a:solidFill>
-                  <a:srgbClr val="9A3334"/>
-                </a:solidFill>
-                <a:effectLst/>
-                <a:uLnTx/>
-                <a:uFillTx/>
-                <a:latin typeface="Verdana" panose="020B0604030504040204" pitchFamily="34" charset="0"/>
-                <a:ea typeface="Verdana" panose="020B0604030504040204" pitchFamily="34" charset="0"/>
-                <a:cs typeface="Verdana" panose="020B0604030504040204" pitchFamily="34" charset="0"/>
-              </a:rPr>
-              <a:t>Canadian Bioinformatics Workshops</a:t>
-            </a:r>
-          </a:p>
-        </p:txBody>
-      </p:sp>
-      <p:sp>
-        <p:nvSpPr>
-          <p:cNvPr id="5" name="Rectangle 3">
-            <a:extLst>
-              <a:ext uri="{FF2B5EF4-FFF2-40B4-BE49-F238E27FC236}">
-                <a16:creationId xmlns:a16="http://schemas.microsoft.com/office/drawing/2014/main" id="{F9B358B9-3A44-4642-B0D6-A899FE00280C}"/>
-              </a:ext>
-            </a:extLst>
-          </p:cNvPr>
-          <p:cNvSpPr txBox="1">
-            <a:spLocks noChangeArrowheads="1"/>
-          </p:cNvSpPr>
-          <p:nvPr/>
-        </p:nvSpPr>
-        <p:spPr>
-          <a:xfrm>
-            <a:off x="2058889" y="3719450"/>
-            <a:ext cx="8039584" cy="1927225"/>
-          </a:xfrm>
-          <a:prstGeom prst="rect">
-            <a:avLst/>
-          </a:prstGeom>
-        </p:spPr>
-        <p:txBody>
-          <a:bodyPr vert="horz" lIns="91440" tIns="45720" rIns="91440" bIns="45720" rtlCol="0">
-            <a:normAutofit/>
-          </a:bodyPr>
-          <a:lstStyle>
-            <a:lvl1pPr marL="228600" indent="-228600" algn="l" defTabSz="914400" rtl="0" eaLnBrk="1" latinLnBrk="0" hangingPunct="1">
-              <a:lnSpc>
-                <a:spcPct val="90000"/>
-              </a:lnSpc>
-              <a:spcBef>
-                <a:spcPts val="1000"/>
-              </a:spcBef>
-              <a:buFont typeface="Arial" panose="020B0604020202020204" pitchFamily="34" charset="0"/>
-              <a:buChar char="•"/>
-              <a:defRPr sz="2800" kern="1200">
-                <a:solidFill>
-                  <a:schemeClr val="tx1"/>
-                </a:solidFill>
-                <a:latin typeface="+mn-lt"/>
-                <a:ea typeface="+mn-ea"/>
-                <a:cs typeface="+mn-cs"/>
-              </a:defRPr>
-            </a:lvl1pPr>
-            <a:lvl2pPr marL="685800" indent="-228600" algn="l" defTabSz="914400" rtl="0" eaLnBrk="1" latinLnBrk="0" hangingPunct="1">
-              <a:lnSpc>
-                <a:spcPct val="90000"/>
-              </a:lnSpc>
-              <a:spcBef>
-                <a:spcPts val="500"/>
-              </a:spcBef>
-              <a:buFont typeface="Arial" panose="020B0604020202020204" pitchFamily="34" charset="0"/>
-              <a:buChar char="•"/>
-              <a:defRPr sz="2400" kern="1200">
-                <a:solidFill>
-                  <a:schemeClr val="tx1"/>
-                </a:solidFill>
-                <a:latin typeface="+mn-lt"/>
-                <a:ea typeface="+mn-ea"/>
-                <a:cs typeface="+mn-cs"/>
-              </a:defRPr>
-            </a:lvl2pPr>
-            <a:lvl3pPr marL="1143000" indent="-228600" algn="l" defTabSz="914400" rtl="0" eaLnBrk="1" latinLnBrk="0" hangingPunct="1">
-              <a:lnSpc>
-                <a:spcPct val="90000"/>
-              </a:lnSpc>
-              <a:spcBef>
-                <a:spcPts val="500"/>
-              </a:spcBef>
-              <a:buFont typeface="Arial" panose="020B0604020202020204" pitchFamily="34" charset="0"/>
-              <a:buChar char="•"/>
-              <a:defRPr sz="2000" kern="1200">
-                <a:solidFill>
-                  <a:schemeClr val="tx1"/>
-                </a:solidFill>
-                <a:latin typeface="+mn-lt"/>
-                <a:ea typeface="+mn-ea"/>
-                <a:cs typeface="+mn-cs"/>
-              </a:defRPr>
-            </a:lvl3pPr>
-            <a:lvl4pPr marL="1600200" indent="-228600" algn="l" defTabSz="914400" rtl="0" eaLnBrk="1" latinLnBrk="0" hangingPunct="1">
-              <a:lnSpc>
-                <a:spcPct val="90000"/>
-              </a:lnSpc>
-              <a:spcBef>
-                <a:spcPts val="500"/>
-              </a:spcBef>
-              <a:buFont typeface="Arial" panose="020B0604020202020204" pitchFamily="34" charset="0"/>
-              <a:buChar char="•"/>
-              <a:defRPr sz="1800" kern="1200">
-                <a:solidFill>
-                  <a:schemeClr val="tx1"/>
-                </a:solidFill>
-                <a:latin typeface="+mn-lt"/>
-                <a:ea typeface="+mn-ea"/>
-                <a:cs typeface="+mn-cs"/>
-              </a:defRPr>
-            </a:lvl4pPr>
-            <a:lvl5pPr marL="2057400" indent="-228600" algn="l" defTabSz="914400" rtl="0" eaLnBrk="1" latinLnBrk="0" hangingPunct="1">
-              <a:lnSpc>
-                <a:spcPct val="90000"/>
-              </a:lnSpc>
-              <a:spcBef>
-                <a:spcPts val="500"/>
-              </a:spcBef>
-              <a:buFont typeface="Arial" panose="020B0604020202020204" pitchFamily="34" charset="0"/>
-              <a:buChar char="•"/>
-              <a:defRPr sz="1800" kern="1200">
-                <a:solidFill>
-                  <a:schemeClr val="tx1"/>
-                </a:solidFill>
-                <a:latin typeface="+mn-lt"/>
-                <a:ea typeface="+mn-ea"/>
-                <a:cs typeface="+mn-cs"/>
-              </a:defRPr>
-            </a:lvl5pPr>
-            <a:lvl6pPr marL="2514600" indent="-228600" algn="l" defTabSz="914400" rtl="0" eaLnBrk="1" latinLnBrk="0" hangingPunct="1">
-              <a:lnSpc>
-                <a:spcPct val="90000"/>
-              </a:lnSpc>
-              <a:spcBef>
-                <a:spcPts val="500"/>
-              </a:spcBef>
-              <a:buFont typeface="Arial" panose="020B0604020202020204" pitchFamily="34" charset="0"/>
-              <a:buChar char="•"/>
-              <a:defRPr sz="1800" kern="1200">
-                <a:solidFill>
-                  <a:schemeClr val="tx1"/>
-                </a:solidFill>
-                <a:latin typeface="+mn-lt"/>
-                <a:ea typeface="+mn-ea"/>
-                <a:cs typeface="+mn-cs"/>
-              </a:defRPr>
-            </a:lvl6pPr>
-            <a:lvl7pPr marL="2971800" indent="-228600" algn="l" defTabSz="914400" rtl="0" eaLnBrk="1" latinLnBrk="0" hangingPunct="1">
-              <a:lnSpc>
-                <a:spcPct val="90000"/>
-              </a:lnSpc>
-              <a:spcBef>
-                <a:spcPts val="500"/>
-              </a:spcBef>
-              <a:buFont typeface="Arial" panose="020B0604020202020204" pitchFamily="34" charset="0"/>
-              <a:buChar char="•"/>
-              <a:defRPr sz="1800" kern="1200">
-                <a:solidFill>
-                  <a:schemeClr val="tx1"/>
-                </a:solidFill>
-                <a:latin typeface="+mn-lt"/>
-                <a:ea typeface="+mn-ea"/>
-                <a:cs typeface="+mn-cs"/>
-              </a:defRPr>
-            </a:lvl7pPr>
-            <a:lvl8pPr marL="3429000" indent="-228600" algn="l" defTabSz="914400" rtl="0" eaLnBrk="1" latinLnBrk="0" hangingPunct="1">
-              <a:lnSpc>
-                <a:spcPct val="90000"/>
-              </a:lnSpc>
-              <a:spcBef>
-                <a:spcPts val="500"/>
-              </a:spcBef>
-              <a:buFont typeface="Arial" panose="020B0604020202020204" pitchFamily="34" charset="0"/>
-              <a:buChar char="•"/>
-              <a:defRPr sz="1800" kern="1200">
-                <a:solidFill>
-                  <a:schemeClr val="tx1"/>
-                </a:solidFill>
-                <a:latin typeface="+mn-lt"/>
-                <a:ea typeface="+mn-ea"/>
-                <a:cs typeface="+mn-cs"/>
-              </a:defRPr>
-            </a:lvl8pPr>
-            <a:lvl9pPr marL="3886200" indent="-228600" algn="l" defTabSz="914400" rtl="0" eaLnBrk="1" latinLnBrk="0" hangingPunct="1">
-              <a:lnSpc>
-                <a:spcPct val="90000"/>
-              </a:lnSpc>
-              <a:spcBef>
-                <a:spcPts val="500"/>
-              </a:spcBef>
-              <a:buFont typeface="Arial" panose="020B0604020202020204" pitchFamily="34" charset="0"/>
-              <a:buChar char="•"/>
-              <a:defRPr sz="1800" kern="1200">
-                <a:solidFill>
-                  <a:schemeClr val="tx1"/>
-                </a:solidFill>
-                <a:latin typeface="+mn-lt"/>
-                <a:ea typeface="+mn-ea"/>
-                <a:cs typeface="+mn-cs"/>
-              </a:defRPr>
-            </a:lvl9pPr>
-          </a:lstStyle>
-          <a:p>
-            <a:pPr marL="0" marR="0" lvl="0" indent="0" algn="ctr" defTabSz="914400" rtl="0" eaLnBrk="1" fontAlgn="auto" latinLnBrk="0" hangingPunct="1">
-              <a:lnSpc>
-                <a:spcPct val="90000"/>
-              </a:lnSpc>
-              <a:spcBef>
-                <a:spcPts val="1000"/>
-              </a:spcBef>
-              <a:spcAft>
-                <a:spcPts val="0"/>
-              </a:spcAft>
-              <a:buClrTx/>
-              <a:buSzTx/>
-              <a:buFont typeface="Arial" charset="0"/>
-              <a:buNone/>
-              <a:tabLst/>
-              <a:defRPr/>
-            </a:pPr>
-            <a:r>
-              <a:rPr kumimoji="0" lang="en-US" sz="2800" b="0" i="0" u="none" strike="noStrike" kern="1200" cap="none" spc="0" normalizeH="0" baseline="0" noProof="0" dirty="0" err="1">
+              <a:rPr kumimoji="0" lang="en-US" sz="1800" b="0" i="0" u="none" strike="noStrike" kern="1200" cap="none" spc="0" normalizeH="0" baseline="0" noProof="0" dirty="0">
                 <a:ln>
                   <a:noFill/>
                 </a:ln>
@@ -4780,84 +4573,20 @@
                 <a:uLnTx/>
                 <a:uFillTx/>
                 <a:latin typeface="Verdana" panose="020B0604030504040204"/>
-                <a:ea typeface="ＭＳ Ｐゴシック" charset="0"/>
-                <a:cs typeface="ＭＳ Ｐゴシック" charset="0"/>
-              </a:rPr>
-              <a:t>www.bioinformatics.ca</a:t>
-            </a:r>
-            <a:endParaRPr kumimoji="0" lang="en-US" sz="2800" b="0" i="0" u="none" strike="noStrike" kern="1200" cap="none" spc="0" normalizeH="0" baseline="0" noProof="0" dirty="0">
-              <a:ln>
-                <a:noFill/>
-              </a:ln>
-              <a:solidFill>
-                <a:prstClr val="black"/>
-              </a:solidFill>
-              <a:effectLst/>
-              <a:uLnTx/>
-              <a:uFillTx/>
-              <a:latin typeface="Verdana" panose="020B0604030504040204"/>
-              <a:ea typeface="ＭＳ Ｐゴシック" charset="0"/>
-              <a:cs typeface="ＭＳ Ｐゴシック" charset="0"/>
-            </a:endParaRPr>
-          </a:p>
-          <a:p>
-            <a:pPr marL="0" marR="0" lvl="0" indent="0" algn="ctr" defTabSz="914400" rtl="0" eaLnBrk="1" fontAlgn="auto" latinLnBrk="0" hangingPunct="1">
-              <a:lnSpc>
-                <a:spcPct val="90000"/>
-              </a:lnSpc>
-              <a:spcBef>
-                <a:spcPts val="1000"/>
-              </a:spcBef>
-              <a:spcAft>
-                <a:spcPts val="0"/>
-              </a:spcAft>
-              <a:buClrTx/>
-              <a:buSzTx/>
-              <a:buFont typeface="Arial" charset="0"/>
-              <a:buNone/>
-              <a:tabLst/>
-              <a:defRPr/>
-            </a:pPr>
-            <a:r>
-              <a:rPr kumimoji="0" lang="en-US" sz="2800" b="0" i="0" u="none" strike="noStrike" kern="1200" cap="none" spc="0" normalizeH="0" baseline="0" noProof="0" dirty="0" err="1">
-                <a:ln>
-                  <a:noFill/>
-                </a:ln>
-                <a:solidFill>
-                  <a:prstClr val="black"/>
-                </a:solidFill>
-                <a:effectLst/>
-                <a:uLnTx/>
-                <a:uFillTx/>
-                <a:latin typeface="Verdana" panose="020B0604030504040204"/>
-                <a:ea typeface="ＭＳ Ｐゴシック" charset="0"/>
-                <a:cs typeface="ＭＳ Ｐゴシック" charset="0"/>
-              </a:rPr>
-              <a:t>bioinformaticsdotca.github.io</a:t>
-            </a:r>
-            <a:endParaRPr kumimoji="0" lang="en-US" sz="2800" b="0" i="0" u="none" strike="noStrike" kern="1200" cap="none" spc="0" normalizeH="0" baseline="0" noProof="0" dirty="0">
-              <a:ln>
-                <a:noFill/>
-              </a:ln>
-              <a:solidFill>
-                <a:prstClr val="black"/>
-              </a:solidFill>
-              <a:effectLst/>
-              <a:uLnTx/>
-              <a:uFillTx/>
-              <a:latin typeface="Verdana" panose="020B0604030504040204"/>
-              <a:ea typeface="ＭＳ Ｐゴシック" charset="0"/>
-              <a:cs typeface="ＭＳ Ｐゴシック" charset="0"/>
-            </a:endParaRPr>
+                <a:ea typeface="+mn-ea"/>
+                <a:cs typeface="+mn-cs"/>
+              </a:rPr>
+              <a:t>Workshop icon</a:t>
+            </a:r>
           </a:p>
         </p:txBody>
       </p:sp>
       <p:pic>
         <p:nvPicPr>
-          <p:cNvPr id="6" name="Picture 5">
+          <p:cNvPr id="8" name="Picture 7">
             <a:extLst>
               <a:ext uri="{FF2B5EF4-FFF2-40B4-BE49-F238E27FC236}">
-                <a16:creationId xmlns:a16="http://schemas.microsoft.com/office/drawing/2014/main" id="{7E3CC30E-EF41-4A4B-AD78-53A11C3D8B87}"/>
+                <a16:creationId xmlns:a16="http://schemas.microsoft.com/office/drawing/2014/main" id="{B1FD4585-05BC-264C-9D0B-8CF2936028AB}"/>
               </a:ext>
             </a:extLst>
           </p:cNvPr>
@@ -4867,25 +4596,85 @@
           <p:nvPr/>
         </p:nvPicPr>
         <p:blipFill>
-          <a:blip r:embed="rId3"/>
+          <a:blip r:embed="rId2"/>
           <a:stretch>
             <a:fillRect/>
           </a:stretch>
         </p:blipFill>
         <p:spPr>
           <a:xfrm>
-            <a:off x="10608072" y="5106390"/>
-            <a:ext cx="1583928" cy="1313871"/>
+            <a:off x="1781299" y="2619633"/>
+            <a:ext cx="3632886" cy="3632886"/>
           </a:xfrm>
           <a:prstGeom prst="rect">
             <a:avLst/>
           </a:prstGeom>
         </p:spPr>
       </p:pic>
+      <p:pic>
+        <p:nvPicPr>
+          <p:cNvPr id="9" name="Picture 4" descr="TGI_logo_V_2color_bevel.tiff">
+            <a:extLst>
+              <a:ext uri="{FF2B5EF4-FFF2-40B4-BE49-F238E27FC236}">
+                <a16:creationId xmlns:a16="http://schemas.microsoft.com/office/drawing/2014/main" id="{DEC0B3E1-84C4-934F-B1C6-6164B26ED359}"/>
+              </a:ext>
+            </a:extLst>
+          </p:cNvPr>
+          <p:cNvPicPr>
+            <a:picLocks noChangeAspect="1"/>
+          </p:cNvPicPr>
+          <p:nvPr/>
+        </p:nvPicPr>
+        <p:blipFill>
+          <a:blip r:embed="rId3">
+            <a:extLst>
+              <a:ext uri="{28A0092B-C50C-407E-A947-70E740481C1C}">
+                <a14:useLocalDpi xmlns:a14="http://schemas.microsoft.com/office/drawing/2010/main" val="0"/>
+              </a:ext>
+            </a:extLst>
+          </a:blip>
+          <a:srcRect l="31865" t="30911" r="32492" b="27831"/>
+          <a:stretch>
+            <a:fillRect/>
+          </a:stretch>
+        </p:blipFill>
+        <p:spPr bwMode="auto">
+          <a:xfrm>
+            <a:off x="8506866" y="3326484"/>
+            <a:ext cx="2555875" cy="2219183"/>
+          </a:xfrm>
+          <a:prstGeom prst="rect">
+            <a:avLst/>
+          </a:prstGeom>
+          <a:noFill/>
+          <a:ln>
+            <a:noFill/>
+          </a:ln>
+          <a:extLst>
+            <a:ext uri="{909E8E84-426E-40dd-AFC4-6F175D3DCCD1}">
+              <a14:hiddenFill xmlns:a14="http://schemas.microsoft.com/office/drawing/2010/main" xmlns="">
+                <a:solidFill>
+                  <a:srgbClr val="FFFFFF"/>
+                </a:solidFill>
+              </a14:hiddenFill>
+            </a:ext>
+            <a:ext uri="{91240B29-F687-4f45-9708-019B960494DF}">
+              <a14:hiddenLine xmlns:a14="http://schemas.microsoft.com/office/drawing/2010/main" xmlns="" w="9525">
+                <a:solidFill>
+                  <a:srgbClr val="000000"/>
+                </a:solidFill>
+                <a:miter lim="800000"/>
+                <a:headEnd/>
+                <a:tailEnd/>
+              </a14:hiddenLine>
+            </a:ext>
+          </a:extLst>
+        </p:spPr>
+      </p:pic>
     </p:spTree>
     <p:extLst>
       <p:ext uri="{BB962C8B-B14F-4D97-AF65-F5344CB8AC3E}">
-        <p14:creationId xmlns:p14="http://schemas.microsoft.com/office/powerpoint/2010/main" val="454110252"/>
+        <p14:creationId xmlns:p14="http://schemas.microsoft.com/office/powerpoint/2010/main" val="1702947648"/>
       </p:ext>
     </p:extLst>
   </p:cSld>
@@ -4896,292 +4685,6 @@
 </file>
 
 <file path=ppt/slides/slide10.xml><?xml version="1.0" encoding="utf-8"?>
-<p:sld xmlns:a="http://schemas.openxmlformats.org/drawingml/2006/main" xmlns:r="http://schemas.openxmlformats.org/officeDocument/2006/relationships" xmlns:p="http://schemas.openxmlformats.org/presentationml/2006/main">
-  <p:cSld>
-    <p:spTree>
-      <p:nvGrpSpPr>
-        <p:cNvPr id="1" name=""/>
-        <p:cNvGrpSpPr/>
-        <p:nvPr/>
-      </p:nvGrpSpPr>
-      <p:grpSpPr>
-        <a:xfrm>
-          <a:off x="0" y="0"/>
-          <a:ext cx="0" cy="0"/>
-          <a:chOff x="0" y="0"/>
-          <a:chExt cx="0" cy="0"/>
-        </a:xfrm>
-      </p:grpSpPr>
-      <p:sp>
-        <p:nvSpPr>
-          <p:cNvPr id="2" name="Title 1"/>
-          <p:cNvSpPr>
-            <a:spLocks noGrp="1"/>
-          </p:cNvSpPr>
-          <p:nvPr>
-            <p:ph type="title"/>
-          </p:nvPr>
-        </p:nvSpPr>
-        <p:spPr>
-          <a:xfrm>
-            <a:off x="1676400" y="44624"/>
-            <a:ext cx="8839200" cy="1143000"/>
-          </a:xfrm>
-        </p:spPr>
-        <p:txBody>
-          <a:bodyPr>
-            <a:normAutofit/>
-          </a:bodyPr>
-          <a:lstStyle/>
-          <a:p>
-            <a:pPr algn="ctr"/>
-            <a:r>
-              <a:rPr lang="en-US" b="1" dirty="0">
-                <a:latin typeface="Calibri" panose="020F0502020204030204" pitchFamily="34" charset="0"/>
-                <a:cs typeface="Calibri" panose="020F0502020204030204" pitchFamily="34" charset="0"/>
-              </a:rPr>
-              <a:t>Multiple approaches advisable</a:t>
-            </a:r>
-          </a:p>
-        </p:txBody>
-      </p:sp>
-      <p:pic>
-        <p:nvPicPr>
-          <p:cNvPr id="3" name="Picture 2" descr="Screen Shot 2013-06-01 at 10.13.40 PM.png"/>
-          <p:cNvPicPr>
-            <a:picLocks noChangeAspect="1"/>
-          </p:cNvPicPr>
-          <p:nvPr/>
-        </p:nvPicPr>
-        <p:blipFill>
-          <a:blip r:embed="rId2">
-            <a:extLst>
-              <a:ext uri="{28A0092B-C50C-407E-A947-70E740481C1C}">
-                <a14:useLocalDpi xmlns:a14="http://schemas.microsoft.com/office/drawing/2010/main" val="0"/>
-              </a:ext>
-            </a:extLst>
-          </a:blip>
-          <a:stretch>
-            <a:fillRect/>
-          </a:stretch>
-        </p:blipFill>
-        <p:spPr>
-          <a:xfrm>
-            <a:off x="3071664" y="1440160"/>
-            <a:ext cx="6078124" cy="4653136"/>
-          </a:xfrm>
-          <a:prstGeom prst="rect">
-            <a:avLst/>
-          </a:prstGeom>
-        </p:spPr>
-      </p:pic>
-    </p:spTree>
-    <p:extLst>
-      <p:ext uri="{BB962C8B-B14F-4D97-AF65-F5344CB8AC3E}">
-        <p14:creationId xmlns:p14="http://schemas.microsoft.com/office/powerpoint/2010/main" val="3196270776"/>
-      </p:ext>
-    </p:extLst>
-  </p:cSld>
-  <p:clrMapOvr>
-    <a:masterClrMapping/>
-  </p:clrMapOvr>
-</p:sld>
-</file>
-
-<file path=ppt/slides/slide11.xml><?xml version="1.0" encoding="utf-8"?>
-<p:sld xmlns:a="http://schemas.openxmlformats.org/drawingml/2006/main" xmlns:r="http://schemas.openxmlformats.org/officeDocument/2006/relationships" xmlns:p="http://schemas.openxmlformats.org/presentationml/2006/main">
-  <p:cSld>
-    <p:spTree>
-      <p:nvGrpSpPr>
-        <p:cNvPr id="1" name=""/>
-        <p:cNvGrpSpPr/>
-        <p:nvPr/>
-      </p:nvGrpSpPr>
-      <p:grpSpPr>
-        <a:xfrm>
-          <a:off x="0" y="0"/>
-          <a:ext cx="0" cy="0"/>
-          <a:chOff x="0" y="0"/>
-          <a:chExt cx="0" cy="0"/>
-        </a:xfrm>
-      </p:grpSpPr>
-      <p:sp>
-        <p:nvSpPr>
-          <p:cNvPr id="34817" name="Title 1"/>
-          <p:cNvSpPr>
-            <a:spLocks noGrp="1"/>
-          </p:cNvSpPr>
-          <p:nvPr>
-            <p:ph type="title"/>
-          </p:nvPr>
-        </p:nvSpPr>
-        <p:spPr>
-          <a:xfrm>
-            <a:off x="838200" y="0"/>
-            <a:ext cx="10515600" cy="1325563"/>
-          </a:xfrm>
-        </p:spPr>
-        <p:txBody>
-          <a:bodyPr/>
-          <a:lstStyle/>
-          <a:p>
-            <a:pPr algn="ctr"/>
-            <a:r>
-              <a:rPr lang="en-US" b="1" dirty="0">
-                <a:latin typeface="Calibri" charset="0"/>
-                <a:ea typeface="ＭＳ Ｐゴシック" charset="0"/>
-              </a:rPr>
-              <a:t>Lessons learned from microarray days</a:t>
-            </a:r>
-          </a:p>
-        </p:txBody>
-      </p:sp>
-      <p:sp>
-        <p:nvSpPr>
-          <p:cNvPr id="34818" name="Content Placeholder 2"/>
-          <p:cNvSpPr>
-            <a:spLocks noGrp="1"/>
-          </p:cNvSpPr>
-          <p:nvPr>
-            <p:ph idx="1"/>
-          </p:nvPr>
-        </p:nvSpPr>
-        <p:spPr>
-          <a:xfrm>
-            <a:off x="838200" y="1555668"/>
-            <a:ext cx="10515600" cy="4621295"/>
-          </a:xfrm>
-        </p:spPr>
-        <p:txBody>
-          <a:bodyPr>
-            <a:normAutofit/>
-          </a:bodyPr>
-          <a:lstStyle/>
-          <a:p>
-            <a:r>
-              <a:rPr lang="en-US" dirty="0">
-                <a:latin typeface="Calibri" charset="0"/>
-                <a:ea typeface="ＭＳ Ｐゴシック" charset="0"/>
-              </a:rPr>
-              <a:t>Hansen et al. “Sequencing Technology Does Not Eliminate Biological Variability.” Nature Biotechnology 29, no. 7 (2011): 572–573.</a:t>
-            </a:r>
-            <a:br>
-              <a:rPr lang="en-US" dirty="0">
-                <a:latin typeface="Calibri" charset="0"/>
-                <a:ea typeface="ＭＳ Ｐゴシック" charset="0"/>
-              </a:rPr>
-            </a:br>
-            <a:endParaRPr lang="en-US" dirty="0">
-              <a:latin typeface="Calibri" charset="0"/>
-              <a:ea typeface="ＭＳ Ｐゴシック" charset="0"/>
-            </a:endParaRPr>
-          </a:p>
-          <a:p>
-            <a:r>
-              <a:rPr lang="en-US" dirty="0">
-                <a:latin typeface="Calibri" charset="0"/>
-                <a:ea typeface="ＭＳ Ｐゴシック" charset="0"/>
-              </a:rPr>
-              <a:t>Power analysis for RNA-seq experiments</a:t>
-            </a:r>
-          </a:p>
-          <a:p>
-            <a:pPr lvl="1"/>
-            <a:r>
-              <a:rPr lang="en-US" dirty="0">
-                <a:latin typeface="Calibri" charset="0"/>
-                <a:ea typeface="ＭＳ Ｐゴシック" charset="0"/>
-                <a:hlinkClick r:id="rId2"/>
-              </a:rPr>
-              <a:t>http://euler.bc.edu/marthlab/scotty/scotty.php</a:t>
-            </a:r>
-            <a:br>
-              <a:rPr lang="en-US" dirty="0">
-                <a:latin typeface="Calibri" charset="0"/>
-                <a:ea typeface="ＭＳ Ｐゴシック" charset="0"/>
-              </a:rPr>
-            </a:br>
-            <a:endParaRPr lang="en-US" dirty="0">
-              <a:latin typeface="Calibri" charset="0"/>
-              <a:ea typeface="ＭＳ Ｐゴシック" charset="0"/>
-            </a:endParaRPr>
-          </a:p>
-          <a:p>
-            <a:r>
-              <a:rPr lang="en-US" dirty="0">
-                <a:latin typeface="Calibri" charset="0"/>
-                <a:ea typeface="ＭＳ Ｐゴシック" charset="0"/>
-              </a:rPr>
-              <a:t>RNA-seq need for biological replicates</a:t>
-            </a:r>
-          </a:p>
-          <a:p>
-            <a:pPr lvl="1"/>
-            <a:r>
-              <a:rPr lang="en-US" dirty="0">
-                <a:latin typeface="Calibri" charset="0"/>
-                <a:ea typeface="ＭＳ Ｐゴシック" charset="0"/>
-                <a:hlinkClick r:id="rId3"/>
-              </a:rPr>
-              <a:t>http://www.biostars.org/p/1161/</a:t>
-            </a:r>
-            <a:br>
-              <a:rPr lang="en-US" dirty="0">
-                <a:latin typeface="Calibri" charset="0"/>
-                <a:ea typeface="ＭＳ Ｐゴシック" charset="0"/>
-              </a:rPr>
-            </a:br>
-            <a:endParaRPr lang="en-US" dirty="0">
-              <a:latin typeface="Calibri" charset="0"/>
-              <a:ea typeface="ＭＳ Ｐゴシック" charset="0"/>
-            </a:endParaRPr>
-          </a:p>
-          <a:p>
-            <a:r>
-              <a:rPr lang="en-US" dirty="0">
-                <a:latin typeface="Calibri" charset="0"/>
-                <a:ea typeface="ＭＳ Ｐゴシック" charset="0"/>
-              </a:rPr>
-              <a:t>RNA-seq study design</a:t>
-            </a:r>
-          </a:p>
-          <a:p>
-            <a:pPr lvl="1"/>
-            <a:r>
-              <a:rPr lang="en-US" dirty="0">
-                <a:latin typeface="Calibri" charset="0"/>
-                <a:ea typeface="ＭＳ Ｐゴシック" charset="0"/>
-                <a:hlinkClick r:id="rId4"/>
-              </a:rPr>
-              <a:t>http://www.biostars.org/p/68885/</a:t>
-            </a:r>
-            <a:endParaRPr lang="en-US" dirty="0">
-              <a:latin typeface="Calibri" charset="0"/>
-              <a:ea typeface="ＭＳ Ｐゴシック" charset="0"/>
-            </a:endParaRPr>
-          </a:p>
-          <a:p>
-            <a:endParaRPr lang="en-US" dirty="0">
-              <a:latin typeface="Calibri" charset="0"/>
-              <a:ea typeface="ＭＳ Ｐゴシック" charset="0"/>
-            </a:endParaRPr>
-          </a:p>
-        </p:txBody>
-      </p:sp>
-    </p:spTree>
-    <p:extLst>
-      <p:ext uri="{BB962C8B-B14F-4D97-AF65-F5344CB8AC3E}">
-        <p14:creationId xmlns:p14="http://schemas.microsoft.com/office/powerpoint/2010/main" val="3557169646"/>
-      </p:ext>
-    </p:extLst>
-  </p:cSld>
-  <p:clrMapOvr>
-    <a:masterClrMapping/>
-  </p:clrMapOvr>
-</p:sld>
-</file>
-
-<file path=ppt/slides/slide12.xml><?xml version="1.0" encoding="utf-8"?>
 <p:sld xmlns:a="http://schemas.openxmlformats.org/drawingml/2006/main" xmlns:r="http://schemas.openxmlformats.org/officeDocument/2006/relationships" xmlns:p="http://schemas.openxmlformats.org/presentationml/2006/main">
   <p:cSld>
     <p:spTree>
@@ -5443,7 +4946,7 @@
 </p:sld>
 </file>
 
-<file path=ppt/slides/slide13.xml><?xml version="1.0" encoding="utf-8"?>
+<file path=ppt/slides/slide11.xml><?xml version="1.0" encoding="utf-8"?>
 <p:sld xmlns:a="http://schemas.openxmlformats.org/drawingml/2006/main" xmlns:r="http://schemas.openxmlformats.org/officeDocument/2006/relationships" xmlns:p="http://schemas.openxmlformats.org/presentationml/2006/main">
   <p:cSld>
     <p:spTree>
@@ -6083,7 +5586,7 @@
 </p:sld>
 </file>
 
-<file path=ppt/slides/slide14.xml><?xml version="1.0" encoding="utf-8"?>
+<file path=ppt/slides/slide12.xml><?xml version="1.0" encoding="utf-8"?>
 <p:sld xmlns:a="http://schemas.openxmlformats.org/drawingml/2006/main" xmlns:r="http://schemas.openxmlformats.org/officeDocument/2006/relationships" xmlns:p="http://schemas.openxmlformats.org/presentationml/2006/main">
   <p:cSld>
     <p:spTree>
@@ -6411,14 +5914,14 @@
           </a:ln>
           <a:extLst>
             <a:ext uri="{909E8E84-426E-40dd-AFC4-6F175D3DCCD1}">
-              <a14:hiddenFill xmlns:a14="http://schemas.microsoft.com/office/drawing/2010/main" xmlns="">
+              <a14:hiddenFill xmlns="" xmlns:a14="http://schemas.microsoft.com/office/drawing/2010/main">
                 <a:solidFill>
                   <a:srgbClr val="FFFFFF"/>
                 </a:solidFill>
               </a14:hiddenFill>
             </a:ext>
             <a:ext uri="{91240B29-F687-4f45-9708-019B960494DF}">
-              <a14:hiddenLine xmlns:a14="http://schemas.microsoft.com/office/drawing/2010/main" xmlns="" w="9525">
+              <a14:hiddenLine xmlns="" xmlns:a14="http://schemas.microsoft.com/office/drawing/2010/main" w="9525">
                 <a:solidFill>
                   <a:srgbClr val="000000"/>
                 </a:solidFill>
@@ -6899,14 +6402,14 @@
             </a:ln>
             <a:extLst>
               <a:ext uri="{909E8E84-426E-40dd-AFC4-6F175D3DCCD1}">
-                <a14:hiddenFill xmlns:a14="http://schemas.microsoft.com/office/drawing/2010/main" xmlns="">
+                <a14:hiddenFill xmlns="" xmlns:a14="http://schemas.microsoft.com/office/drawing/2010/main">
                   <a:solidFill>
                     <a:srgbClr val="FFFFFF"/>
                   </a:solidFill>
                 </a14:hiddenFill>
               </a:ext>
               <a:ext uri="{91240B29-F687-4f45-9708-019B960494DF}">
-                <a14:hiddenLine xmlns:a14="http://schemas.microsoft.com/office/drawing/2010/main" xmlns="" w="9525">
+                <a14:hiddenLine xmlns="" xmlns:a14="http://schemas.microsoft.com/office/drawing/2010/main" w="9525">
                   <a:solidFill>
                     <a:srgbClr val="000000"/>
                   </a:solidFill>
@@ -7218,14 +6721,14 @@
             </a:ln>
             <a:extLst>
               <a:ext uri="{909E8E84-426E-40dd-AFC4-6F175D3DCCD1}">
-                <a14:hiddenFill xmlns:a14="http://schemas.microsoft.com/office/drawing/2010/main" xmlns="">
+                <a14:hiddenFill xmlns="" xmlns:a14="http://schemas.microsoft.com/office/drawing/2010/main">
                   <a:solidFill>
                     <a:srgbClr val="FFFFFF"/>
                   </a:solidFill>
                 </a14:hiddenFill>
               </a:ext>
               <a:ext uri="{91240B29-F687-4f45-9708-019B960494DF}">
-                <a14:hiddenLine xmlns:a14="http://schemas.microsoft.com/office/drawing/2010/main" xmlns="" w="9525">
+                <a14:hiddenLine xmlns="" xmlns:a14="http://schemas.microsoft.com/office/drawing/2010/main" w="9525">
                   <a:solidFill>
                     <a:srgbClr val="000000"/>
                   </a:solidFill>
@@ -7551,14 +7054,14 @@
             </a:ln>
             <a:extLst>
               <a:ext uri="{909E8E84-426E-40dd-AFC4-6F175D3DCCD1}">
-                <a14:hiddenFill xmlns:a14="http://schemas.microsoft.com/office/drawing/2010/main" xmlns="">
+                <a14:hiddenFill xmlns="" xmlns:a14="http://schemas.microsoft.com/office/drawing/2010/main">
                   <a:solidFill>
                     <a:srgbClr val="FFFFFF"/>
                   </a:solidFill>
                 </a14:hiddenFill>
               </a:ext>
               <a:ext uri="{91240B29-F687-4f45-9708-019B960494DF}">
-                <a14:hiddenLine xmlns:a14="http://schemas.microsoft.com/office/drawing/2010/main" xmlns="" w="9525">
+                <a14:hiddenLine xmlns="" xmlns:a14="http://schemas.microsoft.com/office/drawing/2010/main" w="9525">
                   <a:solidFill>
                     <a:srgbClr val="000000"/>
                   </a:solidFill>
@@ -7884,14 +7387,14 @@
             </a:ln>
             <a:extLst>
               <a:ext uri="{909E8E84-426E-40dd-AFC4-6F175D3DCCD1}">
-                <a14:hiddenFill xmlns:a14="http://schemas.microsoft.com/office/drawing/2010/main" xmlns="">
+                <a14:hiddenFill xmlns="" xmlns:a14="http://schemas.microsoft.com/office/drawing/2010/main">
                   <a:solidFill>
                     <a:srgbClr val="FFFFFF"/>
                   </a:solidFill>
                 </a14:hiddenFill>
               </a:ext>
               <a:ext uri="{91240B29-F687-4f45-9708-019B960494DF}">
-                <a14:hiddenLine xmlns:a14="http://schemas.microsoft.com/office/drawing/2010/main" xmlns="" w="9525">
+                <a14:hiddenLine xmlns="" xmlns:a14="http://schemas.microsoft.com/office/drawing/2010/main" w="9525">
                   <a:solidFill>
                     <a:srgbClr val="000000"/>
                   </a:solidFill>
@@ -8217,14 +7720,14 @@
             </a:ln>
             <a:extLst>
               <a:ext uri="{909E8E84-426E-40dd-AFC4-6F175D3DCCD1}">
-                <a14:hiddenFill xmlns:a14="http://schemas.microsoft.com/office/drawing/2010/main" xmlns="">
+                <a14:hiddenFill xmlns="" xmlns:a14="http://schemas.microsoft.com/office/drawing/2010/main">
                   <a:solidFill>
                     <a:srgbClr val="FFFFFF"/>
                   </a:solidFill>
                 </a14:hiddenFill>
               </a:ext>
               <a:ext uri="{91240B29-F687-4f45-9708-019B960494DF}">
-                <a14:hiddenLine xmlns:a14="http://schemas.microsoft.com/office/drawing/2010/main" xmlns="" w="9525">
+                <a14:hiddenLine xmlns="" xmlns:a14="http://schemas.microsoft.com/office/drawing/2010/main" w="9525">
                   <a:solidFill>
                     <a:srgbClr val="000000"/>
                   </a:solidFill>
@@ -8553,14 +8056,14 @@
             </a:ln>
             <a:extLst>
               <a:ext uri="{909E8E84-426E-40dd-AFC4-6F175D3DCCD1}">
-                <a14:hiddenFill xmlns:a14="http://schemas.microsoft.com/office/drawing/2010/main" xmlns="">
+                <a14:hiddenFill xmlns="" xmlns:a14="http://schemas.microsoft.com/office/drawing/2010/main">
                   <a:solidFill>
                     <a:srgbClr val="FFFFFF"/>
                   </a:solidFill>
                 </a14:hiddenFill>
               </a:ext>
               <a:ext uri="{91240B29-F687-4f45-9708-019B960494DF}">
-                <a14:hiddenLine xmlns:a14="http://schemas.microsoft.com/office/drawing/2010/main" xmlns="" w="9525">
+                <a14:hiddenLine xmlns="" xmlns:a14="http://schemas.microsoft.com/office/drawing/2010/main" w="9525">
                   <a:solidFill>
                     <a:srgbClr val="000000"/>
                   </a:solidFill>
@@ -9582,14 +9085,14 @@
           </a:ln>
           <a:extLst>
             <a:ext uri="{909E8E84-426E-40dd-AFC4-6F175D3DCCD1}">
-              <a14:hiddenFill xmlns:a14="http://schemas.microsoft.com/office/drawing/2010/main" xmlns="">
+              <a14:hiddenFill xmlns="" xmlns:a14="http://schemas.microsoft.com/office/drawing/2010/main">
                 <a:solidFill>
                   <a:srgbClr val="FFFFFF"/>
                 </a:solidFill>
               </a14:hiddenFill>
             </a:ext>
             <a:ext uri="{91240B29-F687-4f45-9708-019B960494DF}">
-              <a14:hiddenLine xmlns:a14="http://schemas.microsoft.com/office/drawing/2010/main" xmlns="" w="9525">
+              <a14:hiddenLine xmlns="" xmlns:a14="http://schemas.microsoft.com/office/drawing/2010/main" w="9525">
                 <a:solidFill>
                   <a:srgbClr val="000000"/>
                 </a:solidFill>
@@ -9763,419 +9266,6 @@
 </file>
 
 <file path=ppt/slides/slide2.xml><?xml version="1.0" encoding="utf-8"?>
-<p:sld xmlns:a="http://schemas.openxmlformats.org/drawingml/2006/main" xmlns:r="http://schemas.openxmlformats.org/officeDocument/2006/relationships" xmlns:p="http://schemas.openxmlformats.org/presentationml/2006/main">
-  <p:cSld>
-    <p:spTree>
-      <p:nvGrpSpPr>
-        <p:cNvPr id="1" name=""/>
-        <p:cNvGrpSpPr/>
-        <p:nvPr/>
-      </p:nvGrpSpPr>
-      <p:grpSpPr>
-        <a:xfrm>
-          <a:off x="0" y="0"/>
-          <a:ext cx="0" cy="0"/>
-          <a:chOff x="0" y="0"/>
-          <a:chExt cx="0" cy="0"/>
-        </a:xfrm>
-      </p:grpSpPr>
-      <p:pic>
-        <p:nvPicPr>
-          <p:cNvPr id="4" name="Content Placeholder 9" descr="Picture 1.png">
-            <a:extLst>
-              <a:ext uri="{FF2B5EF4-FFF2-40B4-BE49-F238E27FC236}">
-                <a16:creationId xmlns:a16="http://schemas.microsoft.com/office/drawing/2014/main" id="{548BE5EC-9575-1847-9F91-986B05624E52}"/>
-              </a:ext>
-            </a:extLst>
-          </p:cNvPr>
-          <p:cNvPicPr>
-            <a:picLocks noChangeAspect="1"/>
-          </p:cNvPicPr>
-          <p:nvPr/>
-        </p:nvPicPr>
-        <p:blipFill>
-          <a:blip r:embed="rId2">
-            <a:extLst>
-              <a:ext uri="{28A0092B-C50C-407E-A947-70E740481C1C}">
-                <a14:useLocalDpi xmlns:a14="http://schemas.microsoft.com/office/drawing/2010/main" val="0"/>
-              </a:ext>
-            </a:extLst>
-          </a:blip>
-          <a:srcRect/>
-          <a:stretch>
-            <a:fillRect/>
-          </a:stretch>
-        </p:blipFill>
-        <p:spPr>
-          <a:xfrm>
-            <a:off x="2822576" y="0"/>
-            <a:ext cx="6518495" cy="6400800"/>
-          </a:xfrm>
-          <a:prstGeom prst="rect">
-            <a:avLst/>
-          </a:prstGeom>
-        </p:spPr>
-      </p:pic>
-    </p:spTree>
-    <p:extLst>
-      <p:ext uri="{BB962C8B-B14F-4D97-AF65-F5344CB8AC3E}">
-        <p14:creationId xmlns:p14="http://schemas.microsoft.com/office/powerpoint/2010/main" val="1334057523"/>
-      </p:ext>
-    </p:extLst>
-  </p:cSld>
-  <p:clrMapOvr>
-    <a:masterClrMapping/>
-  </p:clrMapOvr>
-</p:sld>
-</file>
-
-<file path=ppt/slides/slide3.xml><?xml version="1.0" encoding="utf-8"?>
-<p:sld xmlns:a="http://schemas.openxmlformats.org/drawingml/2006/main" xmlns:r="http://schemas.openxmlformats.org/officeDocument/2006/relationships" xmlns:p="http://schemas.openxmlformats.org/presentationml/2006/main">
-  <p:cSld>
-    <p:spTree>
-      <p:nvGrpSpPr>
-        <p:cNvPr id="1" name=""/>
-        <p:cNvGrpSpPr/>
-        <p:nvPr/>
-      </p:nvGrpSpPr>
-      <p:grpSpPr>
-        <a:xfrm>
-          <a:off x="0" y="0"/>
-          <a:ext cx="0" cy="0"/>
-          <a:chOff x="0" y="0"/>
-          <a:chExt cx="0" cy="0"/>
-        </a:xfrm>
-      </p:grpSpPr>
-      <p:sp>
-        <p:nvSpPr>
-          <p:cNvPr id="2" name="Title 1">
-            <a:extLst>
-              <a:ext uri="{FF2B5EF4-FFF2-40B4-BE49-F238E27FC236}">
-                <a16:creationId xmlns:a16="http://schemas.microsoft.com/office/drawing/2014/main" id="{47807894-EFFE-CD45-AEFD-BFB62D406E86}"/>
-              </a:ext>
-            </a:extLst>
-          </p:cNvPr>
-          <p:cNvSpPr>
-            <a:spLocks noGrp="1"/>
-          </p:cNvSpPr>
-          <p:nvPr>
-            <p:ph type="ctrTitle"/>
-          </p:nvPr>
-        </p:nvSpPr>
-        <p:spPr>
-          <a:xfrm>
-            <a:off x="3048000" y="-1300203"/>
-            <a:ext cx="9144000" cy="2387600"/>
-          </a:xfrm>
-        </p:spPr>
-        <p:txBody>
-          <a:bodyPr>
-            <a:normAutofit/>
-          </a:bodyPr>
-          <a:lstStyle/>
-          <a:p>
-            <a:pPr algn="r"/>
-            <a:r>
-              <a:rPr lang="en-US" sz="3600" dirty="0">
-                <a:solidFill>
-                  <a:schemeClr val="bg1"/>
-                </a:solidFill>
-                <a:latin typeface="Calibri" charset="0"/>
-                <a:cs typeface="Segoe UI" charset="0"/>
-              </a:rPr>
-              <a:t>RNA-</a:t>
-            </a:r>
-            <a:r>
-              <a:rPr lang="en-US" sz="3600" dirty="0" err="1">
-                <a:solidFill>
-                  <a:schemeClr val="bg1"/>
-                </a:solidFill>
-                <a:latin typeface="Calibri" charset="0"/>
-                <a:cs typeface="Segoe UI" charset="0"/>
-              </a:rPr>
-              <a:t>Seq</a:t>
-            </a:r>
-            <a:r>
-              <a:rPr lang="en-US" sz="3600" dirty="0">
-                <a:solidFill>
-                  <a:schemeClr val="bg1"/>
-                </a:solidFill>
-                <a:latin typeface="Calibri" charset="0"/>
-                <a:cs typeface="Segoe UI" charset="0"/>
-              </a:rPr>
-              <a:t> Module 2</a:t>
-            </a:r>
-            <a:br>
-              <a:rPr lang="en-US" sz="3600">
-                <a:solidFill>
-                  <a:schemeClr val="bg1"/>
-                </a:solidFill>
-                <a:latin typeface="Calibri" charset="0"/>
-                <a:cs typeface="Segoe UI" charset="0"/>
-              </a:rPr>
-            </a:br>
-            <a:r>
-              <a:rPr lang="en-US" sz="3600">
-                <a:solidFill>
-                  <a:schemeClr val="bg1"/>
-                </a:solidFill>
-                <a:latin typeface="Calibri" charset="0"/>
-                <a:cs typeface="Segoe UI" charset="0"/>
-              </a:rPr>
-              <a:t>Alignment</a:t>
-            </a:r>
-            <a:endParaRPr lang="en-US" sz="3200" b="1" dirty="0">
-              <a:solidFill>
-                <a:schemeClr val="bg1"/>
-              </a:solidFill>
-              <a:latin typeface="Calibri" charset="0"/>
-              <a:cs typeface="Segoe UI" charset="0"/>
-            </a:endParaRPr>
-          </a:p>
-        </p:txBody>
-      </p:sp>
-      <p:sp>
-        <p:nvSpPr>
-          <p:cNvPr id="3" name="Subtitle 2">
-            <a:extLst>
-              <a:ext uri="{FF2B5EF4-FFF2-40B4-BE49-F238E27FC236}">
-                <a16:creationId xmlns:a16="http://schemas.microsoft.com/office/drawing/2014/main" id="{6E120BC9-7354-2449-9237-C9C284B728D9}"/>
-              </a:ext>
-            </a:extLst>
-          </p:cNvPr>
-          <p:cNvSpPr>
-            <a:spLocks noGrp="1"/>
-          </p:cNvSpPr>
-          <p:nvPr>
-            <p:ph type="subTitle" idx="1"/>
-          </p:nvPr>
-        </p:nvSpPr>
-        <p:spPr>
-          <a:xfrm>
-            <a:off x="3048000" y="1087397"/>
-            <a:ext cx="9144000" cy="1655762"/>
-          </a:xfrm>
-        </p:spPr>
-        <p:txBody>
-          <a:bodyPr/>
-          <a:lstStyle/>
-          <a:p>
-            <a:pPr algn="r"/>
-            <a:r>
-              <a:rPr lang="en-US" dirty="0">
-                <a:solidFill>
-                  <a:schemeClr val="bg1"/>
-                </a:solidFill>
-              </a:rPr>
-              <a:t>Kelsy Cotto, Malachi Griffith, Chris Miller, Peter </a:t>
-            </a:r>
-            <a:r>
-              <a:rPr lang="en-US" dirty="0" err="1">
-                <a:solidFill>
-                  <a:schemeClr val="bg1"/>
-                </a:solidFill>
-              </a:rPr>
-              <a:t>Ronning</a:t>
-            </a:r>
-            <a:endParaRPr lang="en-US" dirty="0">
-              <a:solidFill>
-                <a:schemeClr val="bg1"/>
-              </a:solidFill>
-            </a:endParaRPr>
-          </a:p>
-          <a:p>
-            <a:pPr algn="r"/>
-            <a:r>
-              <a:rPr lang="en-US" dirty="0">
-                <a:solidFill>
-                  <a:schemeClr val="bg1"/>
-                </a:solidFill>
-              </a:rPr>
-              <a:t>High-Throughput Biology: From Sequence to Networks</a:t>
-            </a:r>
-          </a:p>
-          <a:p>
-            <a:pPr algn="r"/>
-            <a:r>
-              <a:rPr lang="en-US" dirty="0">
-                <a:solidFill>
-                  <a:schemeClr val="bg1"/>
-                </a:solidFill>
-              </a:rPr>
-              <a:t>March 11-17, 2019</a:t>
-            </a:r>
-          </a:p>
-        </p:txBody>
-      </p:sp>
-      <p:sp>
-        <p:nvSpPr>
-          <p:cNvPr id="5" name="TextBox 4">
-            <a:extLst>
-              <a:ext uri="{FF2B5EF4-FFF2-40B4-BE49-F238E27FC236}">
-                <a16:creationId xmlns:a16="http://schemas.microsoft.com/office/drawing/2014/main" id="{11B4D090-3D05-0D43-847B-63C2AA7B1C1E}"/>
-              </a:ext>
-            </a:extLst>
-          </p:cNvPr>
-          <p:cNvSpPr txBox="1"/>
-          <p:nvPr/>
-        </p:nvSpPr>
-        <p:spPr>
-          <a:xfrm>
-            <a:off x="1781299" y="3503221"/>
-            <a:ext cx="2172135" cy="369332"/>
-          </a:xfrm>
-          <a:prstGeom prst="rect">
-            <a:avLst/>
-          </a:prstGeom>
-          <a:noFill/>
-        </p:spPr>
-        <p:txBody>
-          <a:bodyPr wrap="square" rtlCol="0">
-            <a:spAutoFit/>
-          </a:bodyPr>
-          <a:lstStyle/>
-          <a:p>
-            <a:pPr marL="0" marR="0" lvl="0" indent="0" algn="l" defTabSz="914400" rtl="0" eaLnBrk="1" fontAlgn="auto" latinLnBrk="0" hangingPunct="1">
-              <a:lnSpc>
-                <a:spcPct val="100000"/>
-              </a:lnSpc>
-              <a:spcBef>
-                <a:spcPts val="0"/>
-              </a:spcBef>
-              <a:spcAft>
-                <a:spcPts val="0"/>
-              </a:spcAft>
-              <a:buClrTx/>
-              <a:buSzTx/>
-              <a:buFontTx/>
-              <a:buNone/>
-              <a:tabLst/>
-              <a:defRPr/>
-            </a:pPr>
-            <a:r>
-              <a:rPr kumimoji="0" lang="en-US" sz="1800" b="0" i="0" u="none" strike="noStrike" kern="1200" cap="none" spc="0" normalizeH="0" baseline="0" noProof="0" dirty="0">
-                <a:ln>
-                  <a:noFill/>
-                </a:ln>
-                <a:solidFill>
-                  <a:prstClr val="black"/>
-                </a:solidFill>
-                <a:effectLst/>
-                <a:uLnTx/>
-                <a:uFillTx/>
-                <a:latin typeface="Verdana" panose="020B0604030504040204"/>
-                <a:ea typeface="+mn-ea"/>
-                <a:cs typeface="+mn-cs"/>
-              </a:rPr>
-              <a:t>Workshop icon</a:t>
-            </a:r>
-          </a:p>
-        </p:txBody>
-      </p:sp>
-      <p:pic>
-        <p:nvPicPr>
-          <p:cNvPr id="8" name="Picture 7">
-            <a:extLst>
-              <a:ext uri="{FF2B5EF4-FFF2-40B4-BE49-F238E27FC236}">
-                <a16:creationId xmlns:a16="http://schemas.microsoft.com/office/drawing/2014/main" id="{B1FD4585-05BC-264C-9D0B-8CF2936028AB}"/>
-              </a:ext>
-            </a:extLst>
-          </p:cNvPr>
-          <p:cNvPicPr>
-            <a:picLocks noChangeAspect="1"/>
-          </p:cNvPicPr>
-          <p:nvPr/>
-        </p:nvPicPr>
-        <p:blipFill>
-          <a:blip r:embed="rId2"/>
-          <a:stretch>
-            <a:fillRect/>
-          </a:stretch>
-        </p:blipFill>
-        <p:spPr>
-          <a:xfrm>
-            <a:off x="1781299" y="2619633"/>
-            <a:ext cx="3632886" cy="3632886"/>
-          </a:xfrm>
-          <a:prstGeom prst="rect">
-            <a:avLst/>
-          </a:prstGeom>
-        </p:spPr>
-      </p:pic>
-      <p:pic>
-        <p:nvPicPr>
-          <p:cNvPr id="9" name="Picture 4" descr="TGI_logo_V_2color_bevel.tiff">
-            <a:extLst>
-              <a:ext uri="{FF2B5EF4-FFF2-40B4-BE49-F238E27FC236}">
-                <a16:creationId xmlns:a16="http://schemas.microsoft.com/office/drawing/2014/main" id="{DEC0B3E1-84C4-934F-B1C6-6164B26ED359}"/>
-              </a:ext>
-            </a:extLst>
-          </p:cNvPr>
-          <p:cNvPicPr>
-            <a:picLocks noChangeAspect="1"/>
-          </p:cNvPicPr>
-          <p:nvPr/>
-        </p:nvPicPr>
-        <p:blipFill>
-          <a:blip r:embed="rId3">
-            <a:extLst>
-              <a:ext uri="{28A0092B-C50C-407E-A947-70E740481C1C}">
-                <a14:useLocalDpi xmlns:a14="http://schemas.microsoft.com/office/drawing/2010/main" val="0"/>
-              </a:ext>
-            </a:extLst>
-          </a:blip>
-          <a:srcRect l="31865" t="30911" r="32492" b="27831"/>
-          <a:stretch>
-            <a:fillRect/>
-          </a:stretch>
-        </p:blipFill>
-        <p:spPr bwMode="auto">
-          <a:xfrm>
-            <a:off x="8506866" y="3326484"/>
-            <a:ext cx="2555875" cy="2219183"/>
-          </a:xfrm>
-          <a:prstGeom prst="rect">
-            <a:avLst/>
-          </a:prstGeom>
-          <a:noFill/>
-          <a:ln>
-            <a:noFill/>
-          </a:ln>
-          <a:extLst>
-            <a:ext uri="{909E8E84-426E-40dd-AFC4-6F175D3DCCD1}">
-              <a14:hiddenFill xmlns="" xmlns:a14="http://schemas.microsoft.com/office/drawing/2010/main">
-                <a:solidFill>
-                  <a:srgbClr val="FFFFFF"/>
-                </a:solidFill>
-              </a14:hiddenFill>
-            </a:ext>
-            <a:ext uri="{91240B29-F687-4f45-9708-019B960494DF}">
-              <a14:hiddenLine xmlns="" xmlns:a14="http://schemas.microsoft.com/office/drawing/2010/main" w="9525">
-                <a:solidFill>
-                  <a:srgbClr val="000000"/>
-                </a:solidFill>
-                <a:miter lim="800000"/>
-                <a:headEnd/>
-                <a:tailEnd/>
-              </a14:hiddenLine>
-            </a:ext>
-          </a:extLst>
-        </p:spPr>
-      </p:pic>
-    </p:spTree>
-    <p:extLst>
-      <p:ext uri="{BB962C8B-B14F-4D97-AF65-F5344CB8AC3E}">
-        <p14:creationId xmlns:p14="http://schemas.microsoft.com/office/powerpoint/2010/main" val="1702947648"/>
-      </p:ext>
-    </p:extLst>
-  </p:cSld>
-  <p:clrMapOvr>
-    <a:masterClrMapping/>
-  </p:clrMapOvr>
-</p:sld>
-</file>
-
-<file path=ppt/slides/slide4.xml><?xml version="1.0" encoding="utf-8"?>
 <p:sld xmlns:a="http://schemas.openxmlformats.org/drawingml/2006/main" xmlns:r="http://schemas.openxmlformats.org/officeDocument/2006/relationships" xmlns:p="http://schemas.openxmlformats.org/presentationml/2006/main">
   <p:cSld>
     <p:spTree>
@@ -10353,7 +9443,7 @@
 </p:sld>
 </file>
 
-<file path=ppt/slides/slide5.xml><?xml version="1.0" encoding="utf-8"?>
+<file path=ppt/slides/slide3.xml><?xml version="1.0" encoding="utf-8"?>
 <p:sld xmlns:a="http://schemas.openxmlformats.org/drawingml/2006/main" xmlns:r="http://schemas.openxmlformats.org/officeDocument/2006/relationships" xmlns:p="http://schemas.openxmlformats.org/presentationml/2006/main">
   <p:cSld>
     <p:spTree>
@@ -10543,7 +9633,7 @@
 </p:sld>
 </file>
 
-<file path=ppt/slides/slide6.xml><?xml version="1.0" encoding="utf-8"?>
+<file path=ppt/slides/slide4.xml><?xml version="1.0" encoding="utf-8"?>
 <p:sld xmlns:a="http://schemas.openxmlformats.org/drawingml/2006/main" xmlns:r="http://schemas.openxmlformats.org/officeDocument/2006/relationships" xmlns:p="http://schemas.openxmlformats.org/presentationml/2006/main">
   <p:cSld>
     <p:spTree>
@@ -10913,7 +10003,7 @@
 </p:sld>
 </file>
 
-<file path=ppt/slides/slide7.xml><?xml version="1.0" encoding="utf-8"?>
+<file path=ppt/slides/slide5.xml><?xml version="1.0" encoding="utf-8"?>
 <p:sld xmlns:a="http://schemas.openxmlformats.org/drawingml/2006/main" xmlns:r="http://schemas.openxmlformats.org/officeDocument/2006/relationships" xmlns:p="http://schemas.openxmlformats.org/presentationml/2006/main">
   <p:cSld>
     <p:spTree>
@@ -11036,7 +10126,7 @@
 </p:sld>
 </file>
 
-<file path=ppt/slides/slide8.xml><?xml version="1.0" encoding="utf-8"?>
+<file path=ppt/slides/slide6.xml><?xml version="1.0" encoding="utf-8"?>
 <p:sld xmlns:a="http://schemas.openxmlformats.org/drawingml/2006/main" xmlns:r="http://schemas.openxmlformats.org/officeDocument/2006/relationships" xmlns:p="http://schemas.openxmlformats.org/presentationml/2006/main">
   <p:cSld>
     <p:spTree>
@@ -11224,7 +10314,7 @@
 </p:sld>
 </file>
 
-<file path=ppt/slides/slide9.xml><?xml version="1.0" encoding="utf-8"?>
+<file path=ppt/slides/slide7.xml><?xml version="1.0" encoding="utf-8"?>
 <p:sld xmlns:a="http://schemas.openxmlformats.org/drawingml/2006/main" xmlns:r="http://schemas.openxmlformats.org/officeDocument/2006/relationships" xmlns:p="http://schemas.openxmlformats.org/presentationml/2006/main">
   <p:cSld>
     <p:spTree>
@@ -11441,6 +10531,292 @@
     <p:extLst>
       <p:ext uri="{BB962C8B-B14F-4D97-AF65-F5344CB8AC3E}">
         <p14:creationId xmlns:p14="http://schemas.microsoft.com/office/powerpoint/2010/main" val="1111873927"/>
+      </p:ext>
+    </p:extLst>
+  </p:cSld>
+  <p:clrMapOvr>
+    <a:masterClrMapping/>
+  </p:clrMapOvr>
+</p:sld>
+</file>
+
+<file path=ppt/slides/slide8.xml><?xml version="1.0" encoding="utf-8"?>
+<p:sld xmlns:a="http://schemas.openxmlformats.org/drawingml/2006/main" xmlns:r="http://schemas.openxmlformats.org/officeDocument/2006/relationships" xmlns:p="http://schemas.openxmlformats.org/presentationml/2006/main">
+  <p:cSld>
+    <p:spTree>
+      <p:nvGrpSpPr>
+        <p:cNvPr id="1" name=""/>
+        <p:cNvGrpSpPr/>
+        <p:nvPr/>
+      </p:nvGrpSpPr>
+      <p:grpSpPr>
+        <a:xfrm>
+          <a:off x="0" y="0"/>
+          <a:ext cx="0" cy="0"/>
+          <a:chOff x="0" y="0"/>
+          <a:chExt cx="0" cy="0"/>
+        </a:xfrm>
+      </p:grpSpPr>
+      <p:sp>
+        <p:nvSpPr>
+          <p:cNvPr id="2" name="Title 1"/>
+          <p:cNvSpPr>
+            <a:spLocks noGrp="1"/>
+          </p:cNvSpPr>
+          <p:nvPr>
+            <p:ph type="title"/>
+          </p:nvPr>
+        </p:nvSpPr>
+        <p:spPr>
+          <a:xfrm>
+            <a:off x="1676400" y="44624"/>
+            <a:ext cx="8839200" cy="1143000"/>
+          </a:xfrm>
+        </p:spPr>
+        <p:txBody>
+          <a:bodyPr>
+            <a:normAutofit/>
+          </a:bodyPr>
+          <a:lstStyle/>
+          <a:p>
+            <a:pPr algn="ctr"/>
+            <a:r>
+              <a:rPr lang="en-US" b="1" dirty="0">
+                <a:latin typeface="Calibri" panose="020F0502020204030204" pitchFamily="34" charset="0"/>
+                <a:cs typeface="Calibri" panose="020F0502020204030204" pitchFamily="34" charset="0"/>
+              </a:rPr>
+              <a:t>Multiple approaches advisable</a:t>
+            </a:r>
+          </a:p>
+        </p:txBody>
+      </p:sp>
+      <p:pic>
+        <p:nvPicPr>
+          <p:cNvPr id="3" name="Picture 2" descr="Screen Shot 2013-06-01 at 10.13.40 PM.png"/>
+          <p:cNvPicPr>
+            <a:picLocks noChangeAspect="1"/>
+          </p:cNvPicPr>
+          <p:nvPr/>
+        </p:nvPicPr>
+        <p:blipFill>
+          <a:blip r:embed="rId2">
+            <a:extLst>
+              <a:ext uri="{28A0092B-C50C-407E-A947-70E740481C1C}">
+                <a14:useLocalDpi xmlns:a14="http://schemas.microsoft.com/office/drawing/2010/main" val="0"/>
+              </a:ext>
+            </a:extLst>
+          </a:blip>
+          <a:stretch>
+            <a:fillRect/>
+          </a:stretch>
+        </p:blipFill>
+        <p:spPr>
+          <a:xfrm>
+            <a:off x="3071664" y="1440160"/>
+            <a:ext cx="6078124" cy="4653136"/>
+          </a:xfrm>
+          <a:prstGeom prst="rect">
+            <a:avLst/>
+          </a:prstGeom>
+        </p:spPr>
+      </p:pic>
+    </p:spTree>
+    <p:extLst>
+      <p:ext uri="{BB962C8B-B14F-4D97-AF65-F5344CB8AC3E}">
+        <p14:creationId xmlns:p14="http://schemas.microsoft.com/office/powerpoint/2010/main" val="3196270776"/>
+      </p:ext>
+    </p:extLst>
+  </p:cSld>
+  <p:clrMapOvr>
+    <a:masterClrMapping/>
+  </p:clrMapOvr>
+</p:sld>
+</file>
+
+<file path=ppt/slides/slide9.xml><?xml version="1.0" encoding="utf-8"?>
+<p:sld xmlns:a="http://schemas.openxmlformats.org/drawingml/2006/main" xmlns:r="http://schemas.openxmlformats.org/officeDocument/2006/relationships" xmlns:p="http://schemas.openxmlformats.org/presentationml/2006/main">
+  <p:cSld>
+    <p:spTree>
+      <p:nvGrpSpPr>
+        <p:cNvPr id="1" name=""/>
+        <p:cNvGrpSpPr/>
+        <p:nvPr/>
+      </p:nvGrpSpPr>
+      <p:grpSpPr>
+        <a:xfrm>
+          <a:off x="0" y="0"/>
+          <a:ext cx="0" cy="0"/>
+          <a:chOff x="0" y="0"/>
+          <a:chExt cx="0" cy="0"/>
+        </a:xfrm>
+      </p:grpSpPr>
+      <p:sp>
+        <p:nvSpPr>
+          <p:cNvPr id="34817" name="Title 1"/>
+          <p:cNvSpPr>
+            <a:spLocks noGrp="1"/>
+          </p:cNvSpPr>
+          <p:nvPr>
+            <p:ph type="title"/>
+          </p:nvPr>
+        </p:nvSpPr>
+        <p:spPr>
+          <a:xfrm>
+            <a:off x="838200" y="0"/>
+            <a:ext cx="10515600" cy="1325563"/>
+          </a:xfrm>
+        </p:spPr>
+        <p:txBody>
+          <a:bodyPr/>
+          <a:lstStyle/>
+          <a:p>
+            <a:pPr algn="ctr"/>
+            <a:r>
+              <a:rPr lang="en-US" b="1" dirty="0">
+                <a:latin typeface="Calibri" charset="0"/>
+                <a:ea typeface="ＭＳ Ｐゴシック" charset="0"/>
+              </a:rPr>
+              <a:t>Lessons learned from microarray days</a:t>
+            </a:r>
+          </a:p>
+        </p:txBody>
+      </p:sp>
+      <p:sp>
+        <p:nvSpPr>
+          <p:cNvPr id="34818" name="Content Placeholder 2"/>
+          <p:cNvSpPr>
+            <a:spLocks noGrp="1"/>
+          </p:cNvSpPr>
+          <p:nvPr>
+            <p:ph idx="1"/>
+          </p:nvPr>
+        </p:nvSpPr>
+        <p:spPr>
+          <a:xfrm>
+            <a:off x="838200" y="1555668"/>
+            <a:ext cx="10515600" cy="4621295"/>
+          </a:xfrm>
+        </p:spPr>
+        <p:txBody>
+          <a:bodyPr>
+            <a:normAutofit/>
+          </a:bodyPr>
+          <a:lstStyle/>
+          <a:p>
+            <a:r>
+              <a:rPr lang="en-US" dirty="0">
+                <a:latin typeface="Calibri" charset="0"/>
+                <a:ea typeface="ＭＳ Ｐゴシック" charset="0"/>
+              </a:rPr>
+              <a:t>Hansen et al. “Sequencing Technology Does Not Eliminate Biological Variability.” Nature Biotechnology 29, no. 7 (2011): 572–573.</a:t>
+            </a:r>
+            <a:br>
+              <a:rPr lang="en-US" dirty="0">
+                <a:latin typeface="Calibri" charset="0"/>
+                <a:ea typeface="ＭＳ Ｐゴシック" charset="0"/>
+              </a:rPr>
+            </a:br>
+            <a:endParaRPr lang="en-US" dirty="0">
+              <a:latin typeface="Calibri" charset="0"/>
+              <a:ea typeface="ＭＳ Ｐゴシック" charset="0"/>
+            </a:endParaRPr>
+          </a:p>
+          <a:p>
+            <a:r>
+              <a:rPr lang="en-US" dirty="0">
+                <a:latin typeface="Calibri" charset="0"/>
+                <a:ea typeface="ＭＳ Ｐゴシック" charset="0"/>
+              </a:rPr>
+              <a:t>Power analysis for RNA-seq experiments</a:t>
+            </a:r>
+          </a:p>
+          <a:p>
+            <a:pPr lvl="1"/>
+            <a:r>
+              <a:rPr lang="en-US" dirty="0">
+                <a:latin typeface="Calibri" charset="0"/>
+                <a:ea typeface="ＭＳ Ｐゴシック" charset="0"/>
+                <a:hlinkClick r:id="rId2"/>
+              </a:rPr>
+              <a:t>http://euler.bc.edu/marthlab/scotty/scotty.php</a:t>
+            </a:r>
+            <a:br>
+              <a:rPr lang="en-US" dirty="0">
+                <a:latin typeface="Calibri" charset="0"/>
+                <a:ea typeface="ＭＳ Ｐゴシック" charset="0"/>
+              </a:rPr>
+            </a:br>
+            <a:endParaRPr lang="en-US" dirty="0">
+              <a:latin typeface="Calibri" charset="0"/>
+              <a:ea typeface="ＭＳ Ｐゴシック" charset="0"/>
+            </a:endParaRPr>
+          </a:p>
+          <a:p>
+            <a:r>
+              <a:rPr lang="en-US" dirty="0">
+                <a:latin typeface="Calibri" charset="0"/>
+                <a:ea typeface="ＭＳ Ｐゴシック" charset="0"/>
+              </a:rPr>
+              <a:t>RNA-seq need for biological replicates</a:t>
+            </a:r>
+          </a:p>
+          <a:p>
+            <a:pPr lvl="1"/>
+            <a:r>
+              <a:rPr lang="en-US" dirty="0">
+                <a:latin typeface="Calibri" charset="0"/>
+                <a:ea typeface="ＭＳ Ｐゴシック" charset="0"/>
+                <a:hlinkClick r:id="rId3"/>
+              </a:rPr>
+              <a:t>http://www.biostars.org/p/1161/</a:t>
+            </a:r>
+            <a:br>
+              <a:rPr lang="en-US" dirty="0">
+                <a:latin typeface="Calibri" charset="0"/>
+                <a:ea typeface="ＭＳ Ｐゴシック" charset="0"/>
+              </a:rPr>
+            </a:br>
+            <a:endParaRPr lang="en-US" dirty="0">
+              <a:latin typeface="Calibri" charset="0"/>
+              <a:ea typeface="ＭＳ Ｐゴシック" charset="0"/>
+            </a:endParaRPr>
+          </a:p>
+          <a:p>
+            <a:r>
+              <a:rPr lang="en-US" dirty="0">
+                <a:latin typeface="Calibri" charset="0"/>
+                <a:ea typeface="ＭＳ Ｐゴシック" charset="0"/>
+              </a:rPr>
+              <a:t>RNA-seq study design</a:t>
+            </a:r>
+          </a:p>
+          <a:p>
+            <a:pPr lvl="1"/>
+            <a:r>
+              <a:rPr lang="en-US" dirty="0">
+                <a:latin typeface="Calibri" charset="0"/>
+                <a:ea typeface="ＭＳ Ｐゴシック" charset="0"/>
+                <a:hlinkClick r:id="rId4"/>
+              </a:rPr>
+              <a:t>http://www.biostars.org/p/68885/</a:t>
+            </a:r>
+            <a:endParaRPr lang="en-US" dirty="0">
+              <a:latin typeface="Calibri" charset="0"/>
+              <a:ea typeface="ＭＳ Ｐゴシック" charset="0"/>
+            </a:endParaRPr>
+          </a:p>
+          <a:p>
+            <a:endParaRPr lang="en-US" dirty="0">
+              <a:latin typeface="Calibri" charset="0"/>
+              <a:ea typeface="ＭＳ Ｐゴシック" charset="0"/>
+            </a:endParaRPr>
+          </a:p>
+        </p:txBody>
+      </p:sp>
+    </p:spTree>
+    <p:extLst>
+      <p:ext uri="{BB962C8B-B14F-4D97-AF65-F5344CB8AC3E}">
+        <p14:creationId xmlns:p14="http://schemas.microsoft.com/office/powerpoint/2010/main" val="3557169646"/>
       </p:ext>
     </p:extLst>
   </p:cSld>

--- a/assets/lectures/cbw-cshl/2019/mini/RNASeq_MiniLecture_09_03_DifferentialExpression.pptx
+++ b/assets/lectures/cbw-cshl/2019/mini/RNASeq_MiniLecture_09_03_DifferentialExpression.pptx
@@ -5,21 +5,22 @@
     <p:sldMasterId id="2147483660" r:id="rId1"/>
   </p:sldMasterIdLst>
   <p:notesMasterIdLst>
-    <p:notesMasterId r:id="rId14"/>
+    <p:notesMasterId r:id="rId15"/>
   </p:notesMasterIdLst>
   <p:sldIdLst>
     <p:sldId id="259" r:id="rId2"/>
     <p:sldId id="524" r:id="rId3"/>
-    <p:sldId id="525" r:id="rId4"/>
-    <p:sldId id="526" r:id="rId5"/>
-    <p:sldId id="527" r:id="rId6"/>
-    <p:sldId id="528" r:id="rId7"/>
-    <p:sldId id="529" r:id="rId8"/>
-    <p:sldId id="530" r:id="rId9"/>
-    <p:sldId id="531" r:id="rId10"/>
-    <p:sldId id="532" r:id="rId11"/>
-    <p:sldId id="533" r:id="rId12"/>
-    <p:sldId id="535" r:id="rId13"/>
+    <p:sldId id="536" r:id="rId4"/>
+    <p:sldId id="525" r:id="rId5"/>
+    <p:sldId id="526" r:id="rId6"/>
+    <p:sldId id="527" r:id="rId7"/>
+    <p:sldId id="528" r:id="rId8"/>
+    <p:sldId id="529" r:id="rId9"/>
+    <p:sldId id="530" r:id="rId10"/>
+    <p:sldId id="531" r:id="rId11"/>
+    <p:sldId id="532" r:id="rId12"/>
+    <p:sldId id="533" r:id="rId13"/>
+    <p:sldId id="535" r:id="rId14"/>
   </p:sldIdLst>
   <p:sldSz cx="12192000" cy="6858000"/>
   <p:notesSz cx="6858000" cy="9144000"/>
@@ -208,7 +209,7 @@
           <a:p>
             <a:fld id="{827BD9F9-8452-A342-BB1B-28ECF19E2CC5}" type="datetimeFigureOut">
               <a:rPr lang="en-US" smtClean="0"/>
-              <a:t>3/11/19</a:t>
+              <a:t>3/12/19</a:t>
             </a:fld>
             <a:endParaRPr lang="en-US"/>
           </a:p>
@@ -554,7 +555,7 @@
               <a:pPr>
                 <a:defRPr/>
               </a:pPr>
-              <a:t>5</a:t>
+              <a:t>6</a:t>
             </a:fld>
             <a:endParaRPr lang="en-US"/>
           </a:p>
@@ -638,7 +639,7 @@
           <a:p>
             <a:fld id="{91C65747-E6F5-D94A-981D-658B04DED679}" type="slidenum">
               <a:rPr lang="en-US" smtClean="0"/>
-              <a:t>10</a:t>
+              <a:t>11</a:t>
             </a:fld>
             <a:endParaRPr lang="en-US"/>
           </a:p>
@@ -722,7 +723,7 @@
           <a:p>
             <a:fld id="{91C65747-E6F5-D94A-981D-658B04DED679}" type="slidenum">
               <a:rPr lang="en-US" smtClean="0"/>
-              <a:t>12</a:t>
+              <a:t>13</a:t>
             </a:fld>
             <a:endParaRPr lang="en-US"/>
           </a:p>
@@ -995,14 +996,14 @@
           </a:ln>
           <a:extLst>
             <a:ext uri="{909E8E84-426E-40dd-AFC4-6F175D3DCCD1}">
-              <a14:hiddenFill xmlns:a14="http://schemas.microsoft.com/office/drawing/2010/main" xmlns="">
+              <a14:hiddenFill xmlns="" xmlns:a14="http://schemas.microsoft.com/office/drawing/2010/main">
                 <a:solidFill>
                   <a:srgbClr val="FFFFFF"/>
                 </a:solidFill>
               </a14:hiddenFill>
             </a:ext>
             <a:ext uri="{91240B29-F687-4f45-9708-019B960494DF}">
-              <a14:hiddenLine xmlns:a14="http://schemas.microsoft.com/office/drawing/2010/main" xmlns="" w="9525">
+              <a14:hiddenLine xmlns="" xmlns:a14="http://schemas.microsoft.com/office/drawing/2010/main" w="9525">
                 <a:solidFill>
                   <a:srgbClr val="000000"/>
                 </a:solidFill>
@@ -3758,14 +3759,14 @@
           </a:ln>
           <a:extLst>
             <a:ext uri="{909E8E84-426E-40dd-AFC4-6F175D3DCCD1}">
-              <a14:hiddenFill xmlns:a14="http://schemas.microsoft.com/office/drawing/2010/main" xmlns="">
+              <a14:hiddenFill xmlns="" xmlns:a14="http://schemas.microsoft.com/office/drawing/2010/main">
                 <a:solidFill>
                   <a:srgbClr val="FFFFFF"/>
                 </a:solidFill>
               </a14:hiddenFill>
             </a:ext>
             <a:ext uri="{91240B29-F687-4f45-9708-019B960494DF}">
-              <a14:hiddenLine xmlns:a14="http://schemas.microsoft.com/office/drawing/2010/main" xmlns="" w="9525">
+              <a14:hiddenLine xmlns="" xmlns:a14="http://schemas.microsoft.com/office/drawing/2010/main" w="9525">
                 <a:solidFill>
                   <a:srgbClr val="000000"/>
                 </a:solidFill>
@@ -4652,14 +4653,14 @@
           </a:ln>
           <a:extLst>
             <a:ext uri="{909E8E84-426E-40dd-AFC4-6F175D3DCCD1}">
-              <a14:hiddenFill xmlns:a14="http://schemas.microsoft.com/office/drawing/2010/main" xmlns="">
+              <a14:hiddenFill xmlns="" xmlns:a14="http://schemas.microsoft.com/office/drawing/2010/main">
                 <a:solidFill>
                   <a:srgbClr val="FFFFFF"/>
                 </a:solidFill>
               </a14:hiddenFill>
             </a:ext>
             <a:ext uri="{91240B29-F687-4f45-9708-019B960494DF}">
-              <a14:hiddenLine xmlns:a14="http://schemas.microsoft.com/office/drawing/2010/main" xmlns="" w="9525">
+              <a14:hiddenLine xmlns="" xmlns:a14="http://schemas.microsoft.com/office/drawing/2010/main" w="9525">
                 <a:solidFill>
                   <a:srgbClr val="000000"/>
                 </a:solidFill>
@@ -4703,6 +4704,199 @@
       </p:grpSpPr>
       <p:sp>
         <p:nvSpPr>
+          <p:cNvPr id="34817" name="Title 1"/>
+          <p:cNvSpPr>
+            <a:spLocks noGrp="1"/>
+          </p:cNvSpPr>
+          <p:nvPr>
+            <p:ph type="title"/>
+          </p:nvPr>
+        </p:nvSpPr>
+        <p:spPr>
+          <a:xfrm>
+            <a:off x="838200" y="0"/>
+            <a:ext cx="10515600" cy="1325563"/>
+          </a:xfrm>
+        </p:spPr>
+        <p:txBody>
+          <a:bodyPr/>
+          <a:lstStyle/>
+          <a:p>
+            <a:pPr algn="ctr"/>
+            <a:r>
+              <a:rPr lang="en-US" b="1" dirty="0">
+                <a:latin typeface="Calibri" charset="0"/>
+                <a:ea typeface="ＭＳ Ｐゴシック" charset="0"/>
+              </a:rPr>
+              <a:t>Lessons learned from microarray days</a:t>
+            </a:r>
+          </a:p>
+        </p:txBody>
+      </p:sp>
+      <p:sp>
+        <p:nvSpPr>
+          <p:cNvPr id="34818" name="Content Placeholder 2"/>
+          <p:cNvSpPr>
+            <a:spLocks noGrp="1"/>
+          </p:cNvSpPr>
+          <p:nvPr>
+            <p:ph idx="1"/>
+          </p:nvPr>
+        </p:nvSpPr>
+        <p:spPr>
+          <a:xfrm>
+            <a:off x="838200" y="1555668"/>
+            <a:ext cx="10515600" cy="4621295"/>
+          </a:xfrm>
+        </p:spPr>
+        <p:txBody>
+          <a:bodyPr>
+            <a:normAutofit/>
+          </a:bodyPr>
+          <a:lstStyle/>
+          <a:p>
+            <a:r>
+              <a:rPr lang="en-US" dirty="0">
+                <a:latin typeface="Calibri" charset="0"/>
+                <a:ea typeface="ＭＳ Ｐゴシック" charset="0"/>
+              </a:rPr>
+              <a:t>Hansen et al. “Sequencing Technology Does Not Eliminate Biological Variability.” Nature Biotechnology 29, no. 7 (2011): 572–573.</a:t>
+            </a:r>
+            <a:br>
+              <a:rPr lang="en-US" dirty="0">
+                <a:latin typeface="Calibri" charset="0"/>
+                <a:ea typeface="ＭＳ Ｐゴシック" charset="0"/>
+              </a:rPr>
+            </a:br>
+            <a:endParaRPr lang="en-US" dirty="0">
+              <a:latin typeface="Calibri" charset="0"/>
+              <a:ea typeface="ＭＳ Ｐゴシック" charset="0"/>
+            </a:endParaRPr>
+          </a:p>
+          <a:p>
+            <a:r>
+              <a:rPr lang="en-US" dirty="0">
+                <a:latin typeface="Calibri" charset="0"/>
+                <a:ea typeface="ＭＳ Ｐゴシック" charset="0"/>
+              </a:rPr>
+              <a:t>Power analysis for RNA-seq experiments</a:t>
+            </a:r>
+          </a:p>
+          <a:p>
+            <a:pPr lvl="1"/>
+            <a:r>
+              <a:rPr lang="en-US" dirty="0">
+                <a:latin typeface="Calibri" charset="0"/>
+                <a:ea typeface="ＭＳ Ｐゴシック" charset="0"/>
+                <a:hlinkClick r:id="rId2"/>
+              </a:rPr>
+              <a:t>http://euler.bc.edu/marthlab/scotty/scotty.php</a:t>
+            </a:r>
+            <a:br>
+              <a:rPr lang="en-US" dirty="0">
+                <a:latin typeface="Calibri" charset="0"/>
+                <a:ea typeface="ＭＳ Ｐゴシック" charset="0"/>
+              </a:rPr>
+            </a:br>
+            <a:endParaRPr lang="en-US" dirty="0">
+              <a:latin typeface="Calibri" charset="0"/>
+              <a:ea typeface="ＭＳ Ｐゴシック" charset="0"/>
+            </a:endParaRPr>
+          </a:p>
+          <a:p>
+            <a:r>
+              <a:rPr lang="en-US" dirty="0">
+                <a:latin typeface="Calibri" charset="0"/>
+                <a:ea typeface="ＭＳ Ｐゴシック" charset="0"/>
+              </a:rPr>
+              <a:t>RNA-seq need for biological replicates</a:t>
+            </a:r>
+          </a:p>
+          <a:p>
+            <a:pPr lvl="1"/>
+            <a:r>
+              <a:rPr lang="en-US" dirty="0">
+                <a:latin typeface="Calibri" charset="0"/>
+                <a:ea typeface="ＭＳ Ｐゴシック" charset="0"/>
+                <a:hlinkClick r:id="rId3"/>
+              </a:rPr>
+              <a:t>http://www.biostars.org/p/1161/</a:t>
+            </a:r>
+            <a:br>
+              <a:rPr lang="en-US" dirty="0">
+                <a:latin typeface="Calibri" charset="0"/>
+                <a:ea typeface="ＭＳ Ｐゴシック" charset="0"/>
+              </a:rPr>
+            </a:br>
+            <a:endParaRPr lang="en-US" dirty="0">
+              <a:latin typeface="Calibri" charset="0"/>
+              <a:ea typeface="ＭＳ Ｐゴシック" charset="0"/>
+            </a:endParaRPr>
+          </a:p>
+          <a:p>
+            <a:r>
+              <a:rPr lang="en-US" dirty="0">
+                <a:latin typeface="Calibri" charset="0"/>
+                <a:ea typeface="ＭＳ Ｐゴシック" charset="0"/>
+              </a:rPr>
+              <a:t>RNA-seq study design</a:t>
+            </a:r>
+          </a:p>
+          <a:p>
+            <a:pPr lvl="1"/>
+            <a:r>
+              <a:rPr lang="en-US" dirty="0">
+                <a:latin typeface="Calibri" charset="0"/>
+                <a:ea typeface="ＭＳ Ｐゴシック" charset="0"/>
+                <a:hlinkClick r:id="rId4"/>
+              </a:rPr>
+              <a:t>http://www.biostars.org/p/68885/</a:t>
+            </a:r>
+            <a:endParaRPr lang="en-US" dirty="0">
+              <a:latin typeface="Calibri" charset="0"/>
+              <a:ea typeface="ＭＳ Ｐゴシック" charset="0"/>
+            </a:endParaRPr>
+          </a:p>
+          <a:p>
+            <a:endParaRPr lang="en-US" dirty="0">
+              <a:latin typeface="Calibri" charset="0"/>
+              <a:ea typeface="ＭＳ Ｐゴシック" charset="0"/>
+            </a:endParaRPr>
+          </a:p>
+        </p:txBody>
+      </p:sp>
+    </p:spTree>
+    <p:extLst>
+      <p:ext uri="{BB962C8B-B14F-4D97-AF65-F5344CB8AC3E}">
+        <p14:creationId xmlns:p14="http://schemas.microsoft.com/office/powerpoint/2010/main" val="3557169646"/>
+      </p:ext>
+    </p:extLst>
+  </p:cSld>
+  <p:clrMapOvr>
+    <a:masterClrMapping/>
+  </p:clrMapOvr>
+</p:sld>
+</file>
+
+<file path=ppt/slides/slide11.xml><?xml version="1.0" encoding="utf-8"?>
+<p:sld xmlns:a="http://schemas.openxmlformats.org/drawingml/2006/main" xmlns:r="http://schemas.openxmlformats.org/officeDocument/2006/relationships" xmlns:p="http://schemas.openxmlformats.org/presentationml/2006/main">
+  <p:cSld>
+    <p:spTree>
+      <p:nvGrpSpPr>
+        <p:cNvPr id="1" name=""/>
+        <p:cNvGrpSpPr/>
+        <p:nvPr/>
+      </p:nvGrpSpPr>
+      <p:grpSpPr>
+        <a:xfrm>
+          <a:off x="0" y="0"/>
+          <a:ext cx="0" cy="0"/>
+          <a:chOff x="0" y="0"/>
+          <a:chExt cx="0" cy="0"/>
+        </a:xfrm>
+      </p:grpSpPr>
+      <p:sp>
+        <p:nvSpPr>
           <p:cNvPr id="35841" name="Title 1"/>
           <p:cNvSpPr>
             <a:spLocks noGrp="1"/>
@@ -4946,7 +5140,7 @@
 </p:sld>
 </file>
 
-<file path=ppt/slides/slide11.xml><?xml version="1.0" encoding="utf-8"?>
+<file path=ppt/slides/slide12.xml><?xml version="1.0" encoding="utf-8"?>
 <p:sld xmlns:a="http://schemas.openxmlformats.org/drawingml/2006/main" xmlns:r="http://schemas.openxmlformats.org/officeDocument/2006/relationships" xmlns:p="http://schemas.openxmlformats.org/presentationml/2006/main">
   <p:cSld>
     <p:spTree>
@@ -5586,7 +5780,7 @@
 </p:sld>
 </file>
 
-<file path=ppt/slides/slide12.xml><?xml version="1.0" encoding="utf-8"?>
+<file path=ppt/slides/slide13.xml><?xml version="1.0" encoding="utf-8"?>
 <p:sld xmlns:a="http://schemas.openxmlformats.org/drawingml/2006/main" xmlns:r="http://schemas.openxmlformats.org/officeDocument/2006/relationships" xmlns:p="http://schemas.openxmlformats.org/presentationml/2006/main">
   <p:cSld>
     <p:spTree>
@@ -5914,14 +6108,14 @@
           </a:ln>
           <a:extLst>
             <a:ext uri="{909E8E84-426E-40dd-AFC4-6F175D3DCCD1}">
-              <a14:hiddenFill xmlns="" xmlns:a14="http://schemas.microsoft.com/office/drawing/2010/main">
+              <a14:hiddenFill xmlns:a14="http://schemas.microsoft.com/office/drawing/2010/main" xmlns="">
                 <a:solidFill>
                   <a:srgbClr val="FFFFFF"/>
                 </a:solidFill>
               </a14:hiddenFill>
             </a:ext>
             <a:ext uri="{91240B29-F687-4f45-9708-019B960494DF}">
-              <a14:hiddenLine xmlns="" xmlns:a14="http://schemas.microsoft.com/office/drawing/2010/main" w="9525">
+              <a14:hiddenLine xmlns:a14="http://schemas.microsoft.com/office/drawing/2010/main" xmlns="" w="9525">
                 <a:solidFill>
                   <a:srgbClr val="000000"/>
                 </a:solidFill>
@@ -6402,14 +6596,14 @@
             </a:ln>
             <a:extLst>
               <a:ext uri="{909E8E84-426E-40dd-AFC4-6F175D3DCCD1}">
-                <a14:hiddenFill xmlns="" xmlns:a14="http://schemas.microsoft.com/office/drawing/2010/main">
+                <a14:hiddenFill xmlns:a14="http://schemas.microsoft.com/office/drawing/2010/main" xmlns="">
                   <a:solidFill>
                     <a:srgbClr val="FFFFFF"/>
                   </a:solidFill>
                 </a14:hiddenFill>
               </a:ext>
               <a:ext uri="{91240B29-F687-4f45-9708-019B960494DF}">
-                <a14:hiddenLine xmlns="" xmlns:a14="http://schemas.microsoft.com/office/drawing/2010/main" w="9525">
+                <a14:hiddenLine xmlns:a14="http://schemas.microsoft.com/office/drawing/2010/main" xmlns="" w="9525">
                   <a:solidFill>
                     <a:srgbClr val="000000"/>
                   </a:solidFill>
@@ -6721,14 +6915,14 @@
             </a:ln>
             <a:extLst>
               <a:ext uri="{909E8E84-426E-40dd-AFC4-6F175D3DCCD1}">
-                <a14:hiddenFill xmlns="" xmlns:a14="http://schemas.microsoft.com/office/drawing/2010/main">
+                <a14:hiddenFill xmlns:a14="http://schemas.microsoft.com/office/drawing/2010/main" xmlns="">
                   <a:solidFill>
                     <a:srgbClr val="FFFFFF"/>
                   </a:solidFill>
                 </a14:hiddenFill>
               </a:ext>
               <a:ext uri="{91240B29-F687-4f45-9708-019B960494DF}">
-                <a14:hiddenLine xmlns="" xmlns:a14="http://schemas.microsoft.com/office/drawing/2010/main" w="9525">
+                <a14:hiddenLine xmlns:a14="http://schemas.microsoft.com/office/drawing/2010/main" xmlns="" w="9525">
                   <a:solidFill>
                     <a:srgbClr val="000000"/>
                   </a:solidFill>
@@ -7054,14 +7248,14 @@
             </a:ln>
             <a:extLst>
               <a:ext uri="{909E8E84-426E-40dd-AFC4-6F175D3DCCD1}">
-                <a14:hiddenFill xmlns="" xmlns:a14="http://schemas.microsoft.com/office/drawing/2010/main">
+                <a14:hiddenFill xmlns:a14="http://schemas.microsoft.com/office/drawing/2010/main" xmlns="">
                   <a:solidFill>
                     <a:srgbClr val="FFFFFF"/>
                   </a:solidFill>
                 </a14:hiddenFill>
               </a:ext>
               <a:ext uri="{91240B29-F687-4f45-9708-019B960494DF}">
-                <a14:hiddenLine xmlns="" xmlns:a14="http://schemas.microsoft.com/office/drawing/2010/main" w="9525">
+                <a14:hiddenLine xmlns:a14="http://schemas.microsoft.com/office/drawing/2010/main" xmlns="" w="9525">
                   <a:solidFill>
                     <a:srgbClr val="000000"/>
                   </a:solidFill>
@@ -7387,14 +7581,14 @@
             </a:ln>
             <a:extLst>
               <a:ext uri="{909E8E84-426E-40dd-AFC4-6F175D3DCCD1}">
-                <a14:hiddenFill xmlns="" xmlns:a14="http://schemas.microsoft.com/office/drawing/2010/main">
+                <a14:hiddenFill xmlns:a14="http://schemas.microsoft.com/office/drawing/2010/main" xmlns="">
                   <a:solidFill>
                     <a:srgbClr val="FFFFFF"/>
                   </a:solidFill>
                 </a14:hiddenFill>
               </a:ext>
               <a:ext uri="{91240B29-F687-4f45-9708-019B960494DF}">
-                <a14:hiddenLine xmlns="" xmlns:a14="http://schemas.microsoft.com/office/drawing/2010/main" w="9525">
+                <a14:hiddenLine xmlns:a14="http://schemas.microsoft.com/office/drawing/2010/main" xmlns="" w="9525">
                   <a:solidFill>
                     <a:srgbClr val="000000"/>
                   </a:solidFill>
@@ -7720,14 +7914,14 @@
             </a:ln>
             <a:extLst>
               <a:ext uri="{909E8E84-426E-40dd-AFC4-6F175D3DCCD1}">
-                <a14:hiddenFill xmlns="" xmlns:a14="http://schemas.microsoft.com/office/drawing/2010/main">
+                <a14:hiddenFill xmlns:a14="http://schemas.microsoft.com/office/drawing/2010/main" xmlns="">
                   <a:solidFill>
                     <a:srgbClr val="FFFFFF"/>
                   </a:solidFill>
                 </a14:hiddenFill>
               </a:ext>
               <a:ext uri="{91240B29-F687-4f45-9708-019B960494DF}">
-                <a14:hiddenLine xmlns="" xmlns:a14="http://schemas.microsoft.com/office/drawing/2010/main" w="9525">
+                <a14:hiddenLine xmlns:a14="http://schemas.microsoft.com/office/drawing/2010/main" xmlns="" w="9525">
                   <a:solidFill>
                     <a:srgbClr val="000000"/>
                   </a:solidFill>
@@ -8056,14 +8250,14 @@
             </a:ln>
             <a:extLst>
               <a:ext uri="{909E8E84-426E-40dd-AFC4-6F175D3DCCD1}">
-                <a14:hiddenFill xmlns="" xmlns:a14="http://schemas.microsoft.com/office/drawing/2010/main">
+                <a14:hiddenFill xmlns:a14="http://schemas.microsoft.com/office/drawing/2010/main" xmlns="">
                   <a:solidFill>
                     <a:srgbClr val="FFFFFF"/>
                   </a:solidFill>
                 </a14:hiddenFill>
               </a:ext>
               <a:ext uri="{91240B29-F687-4f45-9708-019B960494DF}">
-                <a14:hiddenLine xmlns="" xmlns:a14="http://schemas.microsoft.com/office/drawing/2010/main" w="9525">
+                <a14:hiddenLine xmlns:a14="http://schemas.microsoft.com/office/drawing/2010/main" xmlns="" w="9525">
                   <a:solidFill>
                     <a:srgbClr val="000000"/>
                   </a:solidFill>
@@ -9085,14 +9279,14 @@
           </a:ln>
           <a:extLst>
             <a:ext uri="{909E8E84-426E-40dd-AFC4-6F175D3DCCD1}">
-              <a14:hiddenFill xmlns="" xmlns:a14="http://schemas.microsoft.com/office/drawing/2010/main">
+              <a14:hiddenFill xmlns:a14="http://schemas.microsoft.com/office/drawing/2010/main" xmlns="">
                 <a:solidFill>
                   <a:srgbClr val="FFFFFF"/>
                 </a:solidFill>
               </a14:hiddenFill>
             </a:ext>
             <a:ext uri="{91240B29-F687-4f45-9708-019B960494DF}">
-              <a14:hiddenLine xmlns="" xmlns:a14="http://schemas.microsoft.com/office/drawing/2010/main" w="9525">
+              <a14:hiddenLine xmlns:a14="http://schemas.microsoft.com/office/drawing/2010/main" xmlns="" w="9525">
                 <a:solidFill>
                   <a:srgbClr val="000000"/>
                 </a:solidFill>
@@ -9300,6 +9494,182 @@
         </p:spPr>
         <p:txBody>
           <a:bodyPr>
+            <a:normAutofit/>
+          </a:bodyPr>
+          <a:lstStyle/>
+          <a:p>
+            <a:pPr algn="ctr"/>
+            <a:r>
+              <a:rPr lang="en-US" b="1" dirty="0">
+                <a:latin typeface="Calibri" panose="020F0502020204030204" pitchFamily="34" charset="0"/>
+                <a:cs typeface="Calibri" panose="020F0502020204030204" pitchFamily="34" charset="0"/>
+              </a:rPr>
+              <a:t>Differential Expression</a:t>
+            </a:r>
+          </a:p>
+        </p:txBody>
+      </p:sp>
+      <p:sp>
+        <p:nvSpPr>
+          <p:cNvPr id="3" name="Content Placeholder 2"/>
+          <p:cNvSpPr>
+            <a:spLocks noGrp="1"/>
+          </p:cNvSpPr>
+          <p:nvPr>
+            <p:ph idx="1"/>
+          </p:nvPr>
+        </p:nvSpPr>
+        <p:spPr>
+          <a:xfrm>
+            <a:off x="597747" y="873475"/>
+            <a:ext cx="11159066" cy="5111049"/>
+          </a:xfrm>
+        </p:spPr>
+        <p:txBody>
+          <a:bodyPr>
+            <a:normAutofit/>
+          </a:bodyPr>
+          <a:lstStyle/>
+          <a:p>
+            <a:r>
+              <a:rPr lang="en-US" dirty="0"/>
+              <a:t>Tying gene expression back to genotype/phenotype</a:t>
+            </a:r>
+          </a:p>
+          <a:p>
+            <a:endParaRPr lang="en-US" dirty="0"/>
+          </a:p>
+          <a:p>
+            <a:r>
+              <a:rPr lang="en-US" dirty="0"/>
+              <a:t>What genes/transcripts are being expressed at higher/lower levels in different groups of samples?</a:t>
+            </a:r>
+            <a:br>
+              <a:rPr lang="en-US" dirty="0"/>
+            </a:br>
+            <a:endParaRPr lang="en-US" dirty="0"/>
+          </a:p>
+          <a:p>
+            <a:r>
+              <a:rPr lang="en-US" dirty="0"/>
+              <a:t>Examples:</a:t>
+            </a:r>
+          </a:p>
+          <a:p>
+            <a:pPr lvl="1"/>
+            <a:r>
+              <a:rPr lang="en-US" dirty="0"/>
+              <a:t>Wild-type vs gene KO mouse </a:t>
+            </a:r>
+          </a:p>
+          <a:p>
+            <a:pPr lvl="1"/>
+            <a:r>
+              <a:rPr lang="en-US" dirty="0"/>
+              <a:t>Tumor vs Normal tissue</a:t>
+            </a:r>
+          </a:p>
+          <a:p>
+            <a:pPr lvl="1"/>
+            <a:r>
+              <a:rPr lang="en-US" dirty="0"/>
+              <a:t>Good responders vs </a:t>
+            </a:r>
+            <a:br>
+              <a:rPr lang="en-US" dirty="0"/>
+            </a:br>
+            <a:r>
+              <a:rPr lang="en-US" dirty="0"/>
+              <a:t>Poor responders</a:t>
+            </a:r>
+          </a:p>
+          <a:p>
+            <a:pPr lvl="1"/>
+            <a:endParaRPr lang="en-US" dirty="0"/>
+          </a:p>
+          <a:p>
+            <a:endParaRPr lang="en-US" dirty="0"/>
+          </a:p>
+        </p:txBody>
+      </p:sp>
+      <p:pic>
+        <p:nvPicPr>
+          <p:cNvPr id="6" name="Picture 5">
+            <a:extLst>
+              <a:ext uri="{FF2B5EF4-FFF2-40B4-BE49-F238E27FC236}">
+                <a16:creationId xmlns:a16="http://schemas.microsoft.com/office/drawing/2014/main" id="{3E1B4A4A-D781-BD4E-94DC-4B6E90B4E366}"/>
+              </a:ext>
+            </a:extLst>
+          </p:cNvPr>
+          <p:cNvPicPr>
+            <a:picLocks noChangeAspect="1"/>
+          </p:cNvPicPr>
+          <p:nvPr/>
+        </p:nvPicPr>
+        <p:blipFill>
+          <a:blip r:embed="rId2"/>
+          <a:stretch>
+            <a:fillRect/>
+          </a:stretch>
+        </p:blipFill>
+        <p:spPr>
+          <a:xfrm>
+            <a:off x="6352191" y="3197748"/>
+            <a:ext cx="5242062" cy="2960223"/>
+          </a:xfrm>
+          <a:prstGeom prst="rect">
+            <a:avLst/>
+          </a:prstGeom>
+        </p:spPr>
+      </p:pic>
+    </p:spTree>
+    <p:extLst>
+      <p:ext uri="{BB962C8B-B14F-4D97-AF65-F5344CB8AC3E}">
+        <p14:creationId xmlns:p14="http://schemas.microsoft.com/office/powerpoint/2010/main" val="2739401756"/>
+      </p:ext>
+    </p:extLst>
+  </p:cSld>
+  <p:clrMapOvr>
+    <a:masterClrMapping/>
+  </p:clrMapOvr>
+</p:sld>
+</file>
+
+<file path=ppt/slides/slide3.xml><?xml version="1.0" encoding="utf-8"?>
+<p:sld xmlns:a="http://schemas.openxmlformats.org/drawingml/2006/main" xmlns:r="http://schemas.openxmlformats.org/officeDocument/2006/relationships" xmlns:p="http://schemas.openxmlformats.org/presentationml/2006/main">
+  <p:cSld>
+    <p:spTree>
+      <p:nvGrpSpPr>
+        <p:cNvPr id="1" name=""/>
+        <p:cNvGrpSpPr/>
+        <p:nvPr/>
+      </p:nvGrpSpPr>
+      <p:grpSpPr>
+        <a:xfrm>
+          <a:off x="0" y="0"/>
+          <a:ext cx="0" cy="0"/>
+          <a:chOff x="0" y="0"/>
+          <a:chExt cx="0" cy="0"/>
+        </a:xfrm>
+      </p:grpSpPr>
+      <p:sp>
+        <p:nvSpPr>
+          <p:cNvPr id="2" name="Title 1"/>
+          <p:cNvSpPr>
+            <a:spLocks noGrp="1"/>
+          </p:cNvSpPr>
+          <p:nvPr>
+            <p:ph type="title"/>
+          </p:nvPr>
+        </p:nvSpPr>
+        <p:spPr>
+          <a:xfrm>
+            <a:off x="1676400" y="0"/>
+            <a:ext cx="8839200" cy="764704"/>
+          </a:xfrm>
+        </p:spPr>
+        <p:txBody>
+          <a:bodyPr>
             <a:normAutofit fontScale="90000"/>
           </a:bodyPr>
           <a:lstStyle/>
@@ -9337,6 +9707,9 @@
           </a:bodyPr>
           <a:lstStyle/>
           <a:p>
+            <a:pPr marL="0" indent="0">
+              <a:buNone/>
+            </a:pPr>
             <a:r>
               <a:rPr lang="en-US" sz="2400" dirty="0"/>
               <a:t>Parametric F-test comparing nested linear models</a:t>
@@ -9433,7 +9806,7 @@
     </p:spTree>
     <p:extLst>
       <p:ext uri="{BB962C8B-B14F-4D97-AF65-F5344CB8AC3E}">
-        <p14:creationId xmlns:p14="http://schemas.microsoft.com/office/powerpoint/2010/main" val="2739401756"/>
+        <p14:creationId xmlns:p14="http://schemas.microsoft.com/office/powerpoint/2010/main" val="1433570566"/>
       </p:ext>
     </p:extLst>
   </p:cSld>
@@ -9443,7 +9816,7 @@
 </p:sld>
 </file>
 
-<file path=ppt/slides/slide3.xml><?xml version="1.0" encoding="utf-8"?>
+<file path=ppt/slides/slide4.xml><?xml version="1.0" encoding="utf-8"?>
 <p:sld xmlns:a="http://schemas.openxmlformats.org/drawingml/2006/main" xmlns:r="http://schemas.openxmlformats.org/officeDocument/2006/relationships" xmlns:p="http://schemas.openxmlformats.org/presentationml/2006/main">
   <p:cSld>
     <p:spTree>
@@ -9502,7 +9875,7 @@
         </p:nvSpPr>
         <p:spPr>
           <a:xfrm>
-            <a:off x="1703512" y="116632"/>
+            <a:off x="1703512" y="103380"/>
             <a:ext cx="8839200" cy="490066"/>
           </a:xfrm>
         </p:spPr>
@@ -9633,7 +10006,7 @@
 </p:sld>
 </file>
 
-<file path=ppt/slides/slide4.xml><?xml version="1.0" encoding="utf-8"?>
+<file path=ppt/slides/slide5.xml><?xml version="1.0" encoding="utf-8"?>
 <p:sld xmlns:a="http://schemas.openxmlformats.org/drawingml/2006/main" xmlns:r="http://schemas.openxmlformats.org/officeDocument/2006/relationships" xmlns:p="http://schemas.openxmlformats.org/presentationml/2006/main">
   <p:cSld>
     <p:spTree>
@@ -10003,7 +10376,7 @@
 </p:sld>
 </file>
 
-<file path=ppt/slides/slide5.xml><?xml version="1.0" encoding="utf-8"?>
+<file path=ppt/slides/slide6.xml><?xml version="1.0" encoding="utf-8"?>
 <p:sld xmlns:a="http://schemas.openxmlformats.org/drawingml/2006/main" xmlns:r="http://schemas.openxmlformats.org/officeDocument/2006/relationships" xmlns:p="http://schemas.openxmlformats.org/presentationml/2006/main">
   <p:cSld>
     <p:spTree>
@@ -10126,7 +10499,7 @@
 </p:sld>
 </file>
 
-<file path=ppt/slides/slide6.xml><?xml version="1.0" encoding="utf-8"?>
+<file path=ppt/slides/slide7.xml><?xml version="1.0" encoding="utf-8"?>
 <p:sld xmlns:a="http://schemas.openxmlformats.org/drawingml/2006/main" xmlns:r="http://schemas.openxmlformats.org/officeDocument/2006/relationships" xmlns:p="http://schemas.openxmlformats.org/presentationml/2006/main">
   <p:cSld>
     <p:spTree>
@@ -10186,8 +10559,8 @@
         </p:nvSpPr>
         <p:spPr>
           <a:xfrm>
-            <a:off x="838200" y="1433739"/>
-            <a:ext cx="10515600" cy="4351338"/>
+            <a:off x="569843" y="1433739"/>
+            <a:ext cx="10783957" cy="4351338"/>
           </a:xfrm>
         </p:spPr>
         <p:txBody>
@@ -10314,7 +10687,7 @@
 </p:sld>
 </file>
 
-<file path=ppt/slides/slide7.xml><?xml version="1.0" encoding="utf-8"?>
+<file path=ppt/slides/slide8.xml><?xml version="1.0" encoding="utf-8"?>
 <p:sld xmlns:a="http://schemas.openxmlformats.org/drawingml/2006/main" xmlns:r="http://schemas.openxmlformats.org/officeDocument/2006/relationships" xmlns:p="http://schemas.openxmlformats.org/presentationml/2006/main">
   <p:cSld>
     <p:spTree>
@@ -10540,7 +10913,7 @@
 </p:sld>
 </file>
 
-<file path=ppt/slides/slide8.xml><?xml version="1.0" encoding="utf-8"?>
+<file path=ppt/slides/slide9.xml><?xml version="1.0" encoding="utf-8"?>
 <p:sld xmlns:a="http://schemas.openxmlformats.org/drawingml/2006/main" xmlns:r="http://schemas.openxmlformats.org/officeDocument/2006/relationships" xmlns:p="http://schemas.openxmlformats.org/presentationml/2006/main">
   <p:cSld>
     <p:spTree>
@@ -10624,199 +10997,6 @@
     <p:extLst>
       <p:ext uri="{BB962C8B-B14F-4D97-AF65-F5344CB8AC3E}">
         <p14:creationId xmlns:p14="http://schemas.microsoft.com/office/powerpoint/2010/main" val="3196270776"/>
-      </p:ext>
-    </p:extLst>
-  </p:cSld>
-  <p:clrMapOvr>
-    <a:masterClrMapping/>
-  </p:clrMapOvr>
-</p:sld>
-</file>
-
-<file path=ppt/slides/slide9.xml><?xml version="1.0" encoding="utf-8"?>
-<p:sld xmlns:a="http://schemas.openxmlformats.org/drawingml/2006/main" xmlns:r="http://schemas.openxmlformats.org/officeDocument/2006/relationships" xmlns:p="http://schemas.openxmlformats.org/presentationml/2006/main">
-  <p:cSld>
-    <p:spTree>
-      <p:nvGrpSpPr>
-        <p:cNvPr id="1" name=""/>
-        <p:cNvGrpSpPr/>
-        <p:nvPr/>
-      </p:nvGrpSpPr>
-      <p:grpSpPr>
-        <a:xfrm>
-          <a:off x="0" y="0"/>
-          <a:ext cx="0" cy="0"/>
-          <a:chOff x="0" y="0"/>
-          <a:chExt cx="0" cy="0"/>
-        </a:xfrm>
-      </p:grpSpPr>
-      <p:sp>
-        <p:nvSpPr>
-          <p:cNvPr id="34817" name="Title 1"/>
-          <p:cNvSpPr>
-            <a:spLocks noGrp="1"/>
-          </p:cNvSpPr>
-          <p:nvPr>
-            <p:ph type="title"/>
-          </p:nvPr>
-        </p:nvSpPr>
-        <p:spPr>
-          <a:xfrm>
-            <a:off x="838200" y="0"/>
-            <a:ext cx="10515600" cy="1325563"/>
-          </a:xfrm>
-        </p:spPr>
-        <p:txBody>
-          <a:bodyPr/>
-          <a:lstStyle/>
-          <a:p>
-            <a:pPr algn="ctr"/>
-            <a:r>
-              <a:rPr lang="en-US" b="1" dirty="0">
-                <a:latin typeface="Calibri" charset="0"/>
-                <a:ea typeface="ＭＳ Ｐゴシック" charset="0"/>
-              </a:rPr>
-              <a:t>Lessons learned from microarray days</a:t>
-            </a:r>
-          </a:p>
-        </p:txBody>
-      </p:sp>
-      <p:sp>
-        <p:nvSpPr>
-          <p:cNvPr id="34818" name="Content Placeholder 2"/>
-          <p:cNvSpPr>
-            <a:spLocks noGrp="1"/>
-          </p:cNvSpPr>
-          <p:nvPr>
-            <p:ph idx="1"/>
-          </p:nvPr>
-        </p:nvSpPr>
-        <p:spPr>
-          <a:xfrm>
-            <a:off x="838200" y="1555668"/>
-            <a:ext cx="10515600" cy="4621295"/>
-          </a:xfrm>
-        </p:spPr>
-        <p:txBody>
-          <a:bodyPr>
-            <a:normAutofit/>
-          </a:bodyPr>
-          <a:lstStyle/>
-          <a:p>
-            <a:r>
-              <a:rPr lang="en-US" dirty="0">
-                <a:latin typeface="Calibri" charset="0"/>
-                <a:ea typeface="ＭＳ Ｐゴシック" charset="0"/>
-              </a:rPr>
-              <a:t>Hansen et al. “Sequencing Technology Does Not Eliminate Biological Variability.” Nature Biotechnology 29, no. 7 (2011): 572–573.</a:t>
-            </a:r>
-            <a:br>
-              <a:rPr lang="en-US" dirty="0">
-                <a:latin typeface="Calibri" charset="0"/>
-                <a:ea typeface="ＭＳ Ｐゴシック" charset="0"/>
-              </a:rPr>
-            </a:br>
-            <a:endParaRPr lang="en-US" dirty="0">
-              <a:latin typeface="Calibri" charset="0"/>
-              <a:ea typeface="ＭＳ Ｐゴシック" charset="0"/>
-            </a:endParaRPr>
-          </a:p>
-          <a:p>
-            <a:r>
-              <a:rPr lang="en-US" dirty="0">
-                <a:latin typeface="Calibri" charset="0"/>
-                <a:ea typeface="ＭＳ Ｐゴシック" charset="0"/>
-              </a:rPr>
-              <a:t>Power analysis for RNA-seq experiments</a:t>
-            </a:r>
-          </a:p>
-          <a:p>
-            <a:pPr lvl="1"/>
-            <a:r>
-              <a:rPr lang="en-US" dirty="0">
-                <a:latin typeface="Calibri" charset="0"/>
-                <a:ea typeface="ＭＳ Ｐゴシック" charset="0"/>
-                <a:hlinkClick r:id="rId2"/>
-              </a:rPr>
-              <a:t>http://euler.bc.edu/marthlab/scotty/scotty.php</a:t>
-            </a:r>
-            <a:br>
-              <a:rPr lang="en-US" dirty="0">
-                <a:latin typeface="Calibri" charset="0"/>
-                <a:ea typeface="ＭＳ Ｐゴシック" charset="0"/>
-              </a:rPr>
-            </a:br>
-            <a:endParaRPr lang="en-US" dirty="0">
-              <a:latin typeface="Calibri" charset="0"/>
-              <a:ea typeface="ＭＳ Ｐゴシック" charset="0"/>
-            </a:endParaRPr>
-          </a:p>
-          <a:p>
-            <a:r>
-              <a:rPr lang="en-US" dirty="0">
-                <a:latin typeface="Calibri" charset="0"/>
-                <a:ea typeface="ＭＳ Ｐゴシック" charset="0"/>
-              </a:rPr>
-              <a:t>RNA-seq need for biological replicates</a:t>
-            </a:r>
-          </a:p>
-          <a:p>
-            <a:pPr lvl="1"/>
-            <a:r>
-              <a:rPr lang="en-US" dirty="0">
-                <a:latin typeface="Calibri" charset="0"/>
-                <a:ea typeface="ＭＳ Ｐゴシック" charset="0"/>
-                <a:hlinkClick r:id="rId3"/>
-              </a:rPr>
-              <a:t>http://www.biostars.org/p/1161/</a:t>
-            </a:r>
-            <a:br>
-              <a:rPr lang="en-US" dirty="0">
-                <a:latin typeface="Calibri" charset="0"/>
-                <a:ea typeface="ＭＳ Ｐゴシック" charset="0"/>
-              </a:rPr>
-            </a:br>
-            <a:endParaRPr lang="en-US" dirty="0">
-              <a:latin typeface="Calibri" charset="0"/>
-              <a:ea typeface="ＭＳ Ｐゴシック" charset="0"/>
-            </a:endParaRPr>
-          </a:p>
-          <a:p>
-            <a:r>
-              <a:rPr lang="en-US" dirty="0">
-                <a:latin typeface="Calibri" charset="0"/>
-                <a:ea typeface="ＭＳ Ｐゴシック" charset="0"/>
-              </a:rPr>
-              <a:t>RNA-seq study design</a:t>
-            </a:r>
-          </a:p>
-          <a:p>
-            <a:pPr lvl="1"/>
-            <a:r>
-              <a:rPr lang="en-US" dirty="0">
-                <a:latin typeface="Calibri" charset="0"/>
-                <a:ea typeface="ＭＳ Ｐゴシック" charset="0"/>
-                <a:hlinkClick r:id="rId4"/>
-              </a:rPr>
-              <a:t>http://www.biostars.org/p/68885/</a:t>
-            </a:r>
-            <a:endParaRPr lang="en-US" dirty="0">
-              <a:latin typeface="Calibri" charset="0"/>
-              <a:ea typeface="ＭＳ Ｐゴシック" charset="0"/>
-            </a:endParaRPr>
-          </a:p>
-          <a:p>
-            <a:endParaRPr lang="en-US" dirty="0">
-              <a:latin typeface="Calibri" charset="0"/>
-              <a:ea typeface="ＭＳ Ｐゴシック" charset="0"/>
-            </a:endParaRPr>
-          </a:p>
-        </p:txBody>
-      </p:sp>
-    </p:spTree>
-    <p:extLst>
-      <p:ext uri="{BB962C8B-B14F-4D97-AF65-F5344CB8AC3E}">
-        <p14:creationId xmlns:p14="http://schemas.microsoft.com/office/powerpoint/2010/main" val="3557169646"/>
       </p:ext>
     </p:extLst>
   </p:cSld>
